--- a/presentation/Draft.pptx
+++ b/presentation/Draft.pptx
@@ -1,19 +1,121 @@
 
 <file path=ppt/presentation.xml><?xml version="1.0" encoding="utf-8"?>
-<p:presentation xmlns:a="http://schemas.openxmlformats.org/drawingml/2006/main" xmlns:p="http://schemas.openxmlformats.org/presentationml/2006/main" xmlns:r="http://schemas.openxmlformats.org/officeDocument/2006/relationships" xmlns:p14="http://schemas.microsoft.com/office/powerpoint/2010/main" xmlns:p15="http://schemas.microsoft.com/office/powerpoint/2012/main" xmlns:mc="http://schemas.openxmlformats.org/markup-compatibility/2006">
+<p:presentation xmlns:a="http://schemas.openxmlformats.org/drawingml/2006/main" xmlns:r="http://schemas.openxmlformats.org/officeDocument/2006/relationships" xmlns:p="http://schemas.openxmlformats.org/presentationml/2006/main">
   <p:sldMasterIdLst>
-    <p:sldMasterId id="2147483648" r:id="rId2"/>
+    <p:sldMasterId id="2147483648" r:id="rId1"/>
   </p:sldMasterIdLst>
   <p:sldIdLst>
-    <p:sldId id="256" r:id="rId3"/>
+    <p:sldId id="256" r:id="rId2"/>
+    <p:sldId id="257" r:id="rId3"/>
+    <p:sldId id="258" r:id="rId4"/>
   </p:sldIdLst>
   <p:sldSz cx="10080625" cy="5670550"/>
-  <p:notesSz cx="7559675" cy="10691812"/>
+  <p:notesSz cx="7559675" cy="10691813"/>
+  <p:defaultTextStyle>
+    <a:defPPr>
+      <a:defRPr lang="en-US"/>
+    </a:defPPr>
+    <a:lvl1pPr marL="0" algn="l" defTabSz="914400" rtl="0" eaLnBrk="1" latinLnBrk="0" hangingPunct="1">
+      <a:defRPr sz="1800" kern="1200">
+        <a:solidFill>
+          <a:schemeClr val="tx1"/>
+        </a:solidFill>
+        <a:latin typeface="+mn-lt"/>
+        <a:ea typeface="+mn-ea"/>
+        <a:cs typeface="+mn-cs"/>
+      </a:defRPr>
+    </a:lvl1pPr>
+    <a:lvl2pPr marL="457200" algn="l" defTabSz="914400" rtl="0" eaLnBrk="1" latinLnBrk="0" hangingPunct="1">
+      <a:defRPr sz="1800" kern="1200">
+        <a:solidFill>
+          <a:schemeClr val="tx1"/>
+        </a:solidFill>
+        <a:latin typeface="+mn-lt"/>
+        <a:ea typeface="+mn-ea"/>
+        <a:cs typeface="+mn-cs"/>
+      </a:defRPr>
+    </a:lvl2pPr>
+    <a:lvl3pPr marL="914400" algn="l" defTabSz="914400" rtl="0" eaLnBrk="1" latinLnBrk="0" hangingPunct="1">
+      <a:defRPr sz="1800" kern="1200">
+        <a:solidFill>
+          <a:schemeClr val="tx1"/>
+        </a:solidFill>
+        <a:latin typeface="+mn-lt"/>
+        <a:ea typeface="+mn-ea"/>
+        <a:cs typeface="+mn-cs"/>
+      </a:defRPr>
+    </a:lvl3pPr>
+    <a:lvl4pPr marL="1371600" algn="l" defTabSz="914400" rtl="0" eaLnBrk="1" latinLnBrk="0" hangingPunct="1">
+      <a:defRPr sz="1800" kern="1200">
+        <a:solidFill>
+          <a:schemeClr val="tx1"/>
+        </a:solidFill>
+        <a:latin typeface="+mn-lt"/>
+        <a:ea typeface="+mn-ea"/>
+        <a:cs typeface="+mn-cs"/>
+      </a:defRPr>
+    </a:lvl4pPr>
+    <a:lvl5pPr marL="1828800" algn="l" defTabSz="914400" rtl="0" eaLnBrk="1" latinLnBrk="0" hangingPunct="1">
+      <a:defRPr sz="1800" kern="1200">
+        <a:solidFill>
+          <a:schemeClr val="tx1"/>
+        </a:solidFill>
+        <a:latin typeface="+mn-lt"/>
+        <a:ea typeface="+mn-ea"/>
+        <a:cs typeface="+mn-cs"/>
+      </a:defRPr>
+    </a:lvl5pPr>
+    <a:lvl6pPr marL="2286000" algn="l" defTabSz="914400" rtl="0" eaLnBrk="1" latinLnBrk="0" hangingPunct="1">
+      <a:defRPr sz="1800" kern="1200">
+        <a:solidFill>
+          <a:schemeClr val="tx1"/>
+        </a:solidFill>
+        <a:latin typeface="+mn-lt"/>
+        <a:ea typeface="+mn-ea"/>
+        <a:cs typeface="+mn-cs"/>
+      </a:defRPr>
+    </a:lvl6pPr>
+    <a:lvl7pPr marL="2743200" algn="l" defTabSz="914400" rtl="0" eaLnBrk="1" latinLnBrk="0" hangingPunct="1">
+      <a:defRPr sz="1800" kern="1200">
+        <a:solidFill>
+          <a:schemeClr val="tx1"/>
+        </a:solidFill>
+        <a:latin typeface="+mn-lt"/>
+        <a:ea typeface="+mn-ea"/>
+        <a:cs typeface="+mn-cs"/>
+      </a:defRPr>
+    </a:lvl7pPr>
+    <a:lvl8pPr marL="3200400" algn="l" defTabSz="914400" rtl="0" eaLnBrk="1" latinLnBrk="0" hangingPunct="1">
+      <a:defRPr sz="1800" kern="1200">
+        <a:solidFill>
+          <a:schemeClr val="tx1"/>
+        </a:solidFill>
+        <a:latin typeface="+mn-lt"/>
+        <a:ea typeface="+mn-ea"/>
+        <a:cs typeface="+mn-cs"/>
+      </a:defRPr>
+    </a:lvl8pPr>
+    <a:lvl9pPr marL="3657600" algn="l" defTabSz="914400" rtl="0" eaLnBrk="1" latinLnBrk="0" hangingPunct="1">
+      <a:defRPr sz="1800" kern="1200">
+        <a:solidFill>
+          <a:schemeClr val="tx1"/>
+        </a:solidFill>
+        <a:latin typeface="+mn-lt"/>
+        <a:ea typeface="+mn-ea"/>
+        <a:cs typeface="+mn-cs"/>
+      </a:defRPr>
+    </a:lvl9pPr>
+  </p:defaultTextStyle>
+  <p:extLst>
+    <p:ext uri="{EFAFB233-063F-42B5-8137-9DF3F51BA10A}">
+      <p15:sldGuideLst xmlns:p15="http://schemas.microsoft.com/office/powerpoint/2012/main"/>
+    </p:ext>
+  </p:extLst>
 </p:presentation>
 </file>
 
 <file path=ppt/slideLayouts/slideLayout1.xml><?xml version="1.0" encoding="utf-8"?>
-<p:sldLayout xmlns:a="http://schemas.openxmlformats.org/drawingml/2006/main" xmlns:p="http://schemas.openxmlformats.org/presentationml/2006/main" xmlns:r="http://schemas.openxmlformats.org/officeDocument/2006/relationships" xmlns:p14="http://schemas.microsoft.com/office/powerpoint/2010/main" xmlns:p15="http://schemas.microsoft.com/office/powerpoint/2012/main" xmlns:mc="http://schemas.openxmlformats.org/markup-compatibility/2006" type="blank" preserve="1">
+<p:sldLayout xmlns:a="http://schemas.openxmlformats.org/drawingml/2006/main" xmlns:r="http://schemas.openxmlformats.org/officeDocument/2006/relationships" xmlns:p="http://schemas.openxmlformats.org/presentationml/2006/main" type="blank" preserve="1">
   <p:cSld name="Blank Slide">
     <p:spTree>
       <p:nvGrpSpPr>
@@ -31,11 +133,14 @@
       </p:grpSpPr>
     </p:spTree>
   </p:cSld>
+  <p:clrMapOvr>
+    <a:masterClrMapping/>
+  </p:clrMapOvr>
 </p:sldLayout>
 </file>
 
 <file path=ppt/slideLayouts/slideLayout10.xml><?xml version="1.0" encoding="utf-8"?>
-<p:sldLayout xmlns:a="http://schemas.openxmlformats.org/drawingml/2006/main" xmlns:p="http://schemas.openxmlformats.org/presentationml/2006/main" xmlns:r="http://schemas.openxmlformats.org/officeDocument/2006/relationships" xmlns:p14="http://schemas.microsoft.com/office/powerpoint/2010/main" xmlns:p15="http://schemas.microsoft.com/office/powerpoint/2012/main" xmlns:mc="http://schemas.openxmlformats.org/markup-compatibility/2006" type="objOverTx" preserve="1">
+<p:sldLayout xmlns:a="http://schemas.openxmlformats.org/drawingml/2006/main" xmlns:r="http://schemas.openxmlformats.org/officeDocument/2006/relationships" xmlns:p="http://schemas.openxmlformats.org/presentationml/2006/main" type="objOverTx" preserve="1">
   <p:cSld name="Title, Content over Content">
     <p:spTree>
       <p:nvGrpSpPr>
@@ -71,10 +176,11 @@
           </a:prstGeom>
         </p:spPr>
         <p:txBody>
-          <a:bodyPr lIns="0" rIns="0" tIns="0" bIns="0" anchor="ctr"/>
+          <a:bodyPr lIns="0" tIns="0" rIns="0" bIns="0" anchor="ctr"/>
+          <a:lstStyle/>
           <a:p>
             <a:pPr algn="ctr"/>
-            <a:endParaRPr b="0" lang="en-GB" sz="2400" spc="-1" strike="noStrike">
+            <a:endParaRPr lang="en-GB" sz="2400" b="0" strike="noStrike" spc="-1">
               <a:latin typeface="Adobe Garamond Pro"/>
             </a:endParaRPr>
           </a:p>
@@ -100,11 +206,12 @@
           </a:prstGeom>
         </p:spPr>
         <p:txBody>
-          <a:bodyPr lIns="0" rIns="0" tIns="0" bIns="0">
+          <a:bodyPr lIns="0" tIns="0" rIns="0" bIns="0">
             <a:normAutofit/>
           </a:bodyPr>
-          <a:p>
-            <a:endParaRPr b="0" lang="en-GB" sz="3200" spc="-1" strike="noStrike">
+          <a:lstStyle/>
+          <a:p>
+            <a:endParaRPr lang="en-GB" sz="3200" b="0" strike="noStrike" spc="-1">
               <a:latin typeface="Arial"/>
             </a:endParaRPr>
           </a:p>
@@ -130,11 +237,12 @@
           </a:prstGeom>
         </p:spPr>
         <p:txBody>
-          <a:bodyPr lIns="0" rIns="0" tIns="0" bIns="0">
+          <a:bodyPr lIns="0" tIns="0" rIns="0" bIns="0">
             <a:normAutofit/>
           </a:bodyPr>
-          <a:p>
-            <a:endParaRPr b="0" lang="en-GB" sz="3200" spc="-1" strike="noStrike">
+          <a:lstStyle/>
+          <a:p>
+            <a:endParaRPr lang="en-GB" sz="3200" b="0" strike="noStrike" spc="-1">
               <a:latin typeface="Arial"/>
             </a:endParaRPr>
           </a:p>
@@ -142,11 +250,14 @@
       </p:sp>
     </p:spTree>
   </p:cSld>
+  <p:clrMapOvr>
+    <a:masterClrMapping/>
+  </p:clrMapOvr>
 </p:sldLayout>
 </file>
 
 <file path=ppt/slideLayouts/slideLayout11.xml><?xml version="1.0" encoding="utf-8"?>
-<p:sldLayout xmlns:a="http://schemas.openxmlformats.org/drawingml/2006/main" xmlns:p="http://schemas.openxmlformats.org/presentationml/2006/main" xmlns:r="http://schemas.openxmlformats.org/officeDocument/2006/relationships" xmlns:p14="http://schemas.microsoft.com/office/powerpoint/2010/main" xmlns:p15="http://schemas.microsoft.com/office/powerpoint/2012/main" xmlns:mc="http://schemas.openxmlformats.org/markup-compatibility/2006" type="fourObj" preserve="1">
+<p:sldLayout xmlns:a="http://schemas.openxmlformats.org/drawingml/2006/main" xmlns:r="http://schemas.openxmlformats.org/officeDocument/2006/relationships" xmlns:p="http://schemas.openxmlformats.org/presentationml/2006/main" type="fourObj" preserve="1">
   <p:cSld name="Title, 4 Content">
     <p:spTree>
       <p:nvGrpSpPr>
@@ -182,10 +293,11 @@
           </a:prstGeom>
         </p:spPr>
         <p:txBody>
-          <a:bodyPr lIns="0" rIns="0" tIns="0" bIns="0" anchor="ctr"/>
+          <a:bodyPr lIns="0" tIns="0" rIns="0" bIns="0" anchor="ctr"/>
+          <a:lstStyle/>
           <a:p>
             <a:pPr algn="ctr"/>
-            <a:endParaRPr b="0" lang="en-GB" sz="2400" spc="-1" strike="noStrike">
+            <a:endParaRPr lang="en-GB" sz="2400" b="0" strike="noStrike" spc="-1">
               <a:latin typeface="Adobe Garamond Pro"/>
             </a:endParaRPr>
           </a:p>
@@ -211,11 +323,12 @@
           </a:prstGeom>
         </p:spPr>
         <p:txBody>
-          <a:bodyPr lIns="0" rIns="0" tIns="0" bIns="0">
+          <a:bodyPr lIns="0" tIns="0" rIns="0" bIns="0">
             <a:normAutofit/>
           </a:bodyPr>
-          <a:p>
-            <a:endParaRPr b="0" lang="en-GB" sz="3200" spc="-1" strike="noStrike">
+          <a:lstStyle/>
+          <a:p>
+            <a:endParaRPr lang="en-GB" sz="3200" b="0" strike="noStrike" spc="-1">
               <a:latin typeface="Arial"/>
             </a:endParaRPr>
           </a:p>
@@ -241,11 +354,12 @@
           </a:prstGeom>
         </p:spPr>
         <p:txBody>
-          <a:bodyPr lIns="0" rIns="0" tIns="0" bIns="0">
+          <a:bodyPr lIns="0" tIns="0" rIns="0" bIns="0">
             <a:normAutofit/>
           </a:bodyPr>
-          <a:p>
-            <a:endParaRPr b="0" lang="en-GB" sz="3200" spc="-1" strike="noStrike">
+          <a:lstStyle/>
+          <a:p>
+            <a:endParaRPr lang="en-GB" sz="3200" b="0" strike="noStrike" spc="-1">
               <a:latin typeface="Arial"/>
             </a:endParaRPr>
           </a:p>
@@ -271,11 +385,12 @@
           </a:prstGeom>
         </p:spPr>
         <p:txBody>
-          <a:bodyPr lIns="0" rIns="0" tIns="0" bIns="0">
+          <a:bodyPr lIns="0" tIns="0" rIns="0" bIns="0">
             <a:normAutofit/>
           </a:bodyPr>
-          <a:p>
-            <a:endParaRPr b="0" lang="en-GB" sz="3200" spc="-1" strike="noStrike">
+          <a:lstStyle/>
+          <a:p>
+            <a:endParaRPr lang="en-GB" sz="3200" b="0" strike="noStrike" spc="-1">
               <a:latin typeface="Arial"/>
             </a:endParaRPr>
           </a:p>
@@ -301,11 +416,12 @@
           </a:prstGeom>
         </p:spPr>
         <p:txBody>
-          <a:bodyPr lIns="0" rIns="0" tIns="0" bIns="0">
+          <a:bodyPr lIns="0" tIns="0" rIns="0" bIns="0">
             <a:normAutofit/>
           </a:bodyPr>
-          <a:p>
-            <a:endParaRPr b="0" lang="en-GB" sz="3200" spc="-1" strike="noStrike">
+          <a:lstStyle/>
+          <a:p>
+            <a:endParaRPr lang="en-GB" sz="3200" b="0" strike="noStrike" spc="-1">
               <a:latin typeface="Arial"/>
             </a:endParaRPr>
           </a:p>
@@ -313,11 +429,14 @@
       </p:sp>
     </p:spTree>
   </p:cSld>
+  <p:clrMapOvr>
+    <a:masterClrMapping/>
+  </p:clrMapOvr>
 </p:sldLayout>
 </file>
 
 <file path=ppt/slideLayouts/slideLayout12.xml><?xml version="1.0" encoding="utf-8"?>
-<p:sldLayout xmlns:a="http://schemas.openxmlformats.org/drawingml/2006/main" xmlns:p="http://schemas.openxmlformats.org/presentationml/2006/main" xmlns:r="http://schemas.openxmlformats.org/officeDocument/2006/relationships" xmlns:p14="http://schemas.microsoft.com/office/powerpoint/2010/main" xmlns:p15="http://schemas.microsoft.com/office/powerpoint/2012/main" xmlns:mc="http://schemas.openxmlformats.org/markup-compatibility/2006" type="blank" preserve="1">
+<p:sldLayout xmlns:a="http://schemas.openxmlformats.org/drawingml/2006/main" xmlns:r="http://schemas.openxmlformats.org/officeDocument/2006/relationships" xmlns:p="http://schemas.openxmlformats.org/presentationml/2006/main" type="blank" preserve="1">
   <p:cSld name="Title, 6 Content">
     <p:spTree>
       <p:nvGrpSpPr>
@@ -353,10 +472,11 @@
           </a:prstGeom>
         </p:spPr>
         <p:txBody>
-          <a:bodyPr lIns="0" rIns="0" tIns="0" bIns="0" anchor="ctr"/>
+          <a:bodyPr lIns="0" tIns="0" rIns="0" bIns="0" anchor="ctr"/>
+          <a:lstStyle/>
           <a:p>
             <a:pPr algn="ctr"/>
-            <a:endParaRPr b="0" lang="en-GB" sz="2400" spc="-1" strike="noStrike">
+            <a:endParaRPr lang="en-GB" sz="2400" b="0" strike="noStrike" spc="-1">
               <a:latin typeface="Adobe Garamond Pro"/>
             </a:endParaRPr>
           </a:p>
@@ -382,11 +502,12 @@
           </a:prstGeom>
         </p:spPr>
         <p:txBody>
-          <a:bodyPr lIns="0" rIns="0" tIns="0" bIns="0">
+          <a:bodyPr lIns="0" tIns="0" rIns="0" bIns="0">
             <a:normAutofit/>
           </a:bodyPr>
-          <a:p>
-            <a:endParaRPr b="0" lang="en-GB" sz="3200" spc="-1" strike="noStrike">
+          <a:lstStyle/>
+          <a:p>
+            <a:endParaRPr lang="en-GB" sz="3200" b="0" strike="noStrike" spc="-1">
               <a:latin typeface="Arial"/>
             </a:endParaRPr>
           </a:p>
@@ -412,11 +533,12 @@
           </a:prstGeom>
         </p:spPr>
         <p:txBody>
-          <a:bodyPr lIns="0" rIns="0" tIns="0" bIns="0">
+          <a:bodyPr lIns="0" tIns="0" rIns="0" bIns="0">
             <a:normAutofit/>
           </a:bodyPr>
-          <a:p>
-            <a:endParaRPr b="0" lang="en-GB" sz="3200" spc="-1" strike="noStrike">
+          <a:lstStyle/>
+          <a:p>
+            <a:endParaRPr lang="en-GB" sz="3200" b="0" strike="noStrike" spc="-1">
               <a:latin typeface="Arial"/>
             </a:endParaRPr>
           </a:p>
@@ -442,11 +564,12 @@
           </a:prstGeom>
         </p:spPr>
         <p:txBody>
-          <a:bodyPr lIns="0" rIns="0" tIns="0" bIns="0">
+          <a:bodyPr lIns="0" tIns="0" rIns="0" bIns="0">
             <a:normAutofit/>
           </a:bodyPr>
-          <a:p>
-            <a:endParaRPr b="0" lang="en-GB" sz="3200" spc="-1" strike="noStrike">
+          <a:lstStyle/>
+          <a:p>
+            <a:endParaRPr lang="en-GB" sz="3200" b="0" strike="noStrike" spc="-1">
               <a:latin typeface="Arial"/>
             </a:endParaRPr>
           </a:p>
@@ -472,11 +595,12 @@
           </a:prstGeom>
         </p:spPr>
         <p:txBody>
-          <a:bodyPr lIns="0" rIns="0" tIns="0" bIns="0">
+          <a:bodyPr lIns="0" tIns="0" rIns="0" bIns="0">
             <a:normAutofit/>
           </a:bodyPr>
-          <a:p>
-            <a:endParaRPr b="0" lang="en-GB" sz="3200" spc="-1" strike="noStrike">
+          <a:lstStyle/>
+          <a:p>
+            <a:endParaRPr lang="en-GB" sz="3200" b="0" strike="noStrike" spc="-1">
               <a:latin typeface="Arial"/>
             </a:endParaRPr>
           </a:p>
@@ -502,11 +626,12 @@
           </a:prstGeom>
         </p:spPr>
         <p:txBody>
-          <a:bodyPr lIns="0" rIns="0" tIns="0" bIns="0">
+          <a:bodyPr lIns="0" tIns="0" rIns="0" bIns="0">
             <a:normAutofit/>
           </a:bodyPr>
-          <a:p>
-            <a:endParaRPr b="0" lang="en-GB" sz="3200" spc="-1" strike="noStrike">
+          <a:lstStyle/>
+          <a:p>
+            <a:endParaRPr lang="en-GB" sz="3200" b="0" strike="noStrike" spc="-1">
               <a:latin typeface="Arial"/>
             </a:endParaRPr>
           </a:p>
@@ -532,11 +657,12 @@
           </a:prstGeom>
         </p:spPr>
         <p:txBody>
-          <a:bodyPr lIns="0" rIns="0" tIns="0" bIns="0">
+          <a:bodyPr lIns="0" tIns="0" rIns="0" bIns="0">
             <a:normAutofit/>
           </a:bodyPr>
-          <a:p>
-            <a:endParaRPr b="0" lang="en-GB" sz="3200" spc="-1" strike="noStrike">
+          <a:lstStyle/>
+          <a:p>
+            <a:endParaRPr lang="en-GB" sz="3200" b="0" strike="noStrike" spc="-1">
               <a:latin typeface="Arial"/>
             </a:endParaRPr>
           </a:p>
@@ -544,11 +670,14 @@
       </p:sp>
     </p:spTree>
   </p:cSld>
+  <p:clrMapOvr>
+    <a:masterClrMapping/>
+  </p:clrMapOvr>
 </p:sldLayout>
 </file>
 
 <file path=ppt/slideLayouts/slideLayout2.xml><?xml version="1.0" encoding="utf-8"?>
-<p:sldLayout xmlns:a="http://schemas.openxmlformats.org/drawingml/2006/main" xmlns:p="http://schemas.openxmlformats.org/presentationml/2006/main" xmlns:r="http://schemas.openxmlformats.org/officeDocument/2006/relationships" xmlns:p14="http://schemas.microsoft.com/office/powerpoint/2010/main" xmlns:p15="http://schemas.microsoft.com/office/powerpoint/2012/main" xmlns:mc="http://schemas.openxmlformats.org/markup-compatibility/2006" type="tx" preserve="1">
+<p:sldLayout xmlns:a="http://schemas.openxmlformats.org/drawingml/2006/main" xmlns:r="http://schemas.openxmlformats.org/officeDocument/2006/relationships" xmlns:p="http://schemas.openxmlformats.org/presentationml/2006/main" type="tx" preserve="1">
   <p:cSld name="Title Slide">
     <p:spTree>
       <p:nvGrpSpPr>
@@ -584,10 +713,11 @@
           </a:prstGeom>
         </p:spPr>
         <p:txBody>
-          <a:bodyPr lIns="0" rIns="0" tIns="0" bIns="0" anchor="ctr"/>
+          <a:bodyPr lIns="0" tIns="0" rIns="0" bIns="0" anchor="ctr"/>
+          <a:lstStyle/>
           <a:p>
             <a:pPr algn="ctr"/>
-            <a:endParaRPr b="0" lang="en-GB" sz="2400" spc="-1" strike="noStrike">
+            <a:endParaRPr lang="en-GB" sz="2400" b="0" strike="noStrike" spc="-1">
               <a:latin typeface="Adobe Garamond Pro"/>
             </a:endParaRPr>
           </a:p>
@@ -613,10 +743,11 @@
           </a:prstGeom>
         </p:spPr>
         <p:txBody>
-          <a:bodyPr lIns="0" rIns="0" tIns="0" bIns="0" anchor="ctr"/>
+          <a:bodyPr lIns="0" tIns="0" rIns="0" bIns="0" anchor="ctr"/>
+          <a:lstStyle/>
           <a:p>
             <a:pPr algn="ctr"/>
-            <a:endParaRPr b="0" lang="en-GB" sz="3200" spc="-1" strike="noStrike">
+            <a:endParaRPr lang="en-GB" sz="3200" b="0" strike="noStrike" spc="-1">
               <a:latin typeface="Arial"/>
             </a:endParaRPr>
           </a:p>
@@ -624,11 +755,14 @@
       </p:sp>
     </p:spTree>
   </p:cSld>
+  <p:clrMapOvr>
+    <a:masterClrMapping/>
+  </p:clrMapOvr>
 </p:sldLayout>
 </file>
 
 <file path=ppt/slideLayouts/slideLayout3.xml><?xml version="1.0" encoding="utf-8"?>
-<p:sldLayout xmlns:a="http://schemas.openxmlformats.org/drawingml/2006/main" xmlns:p="http://schemas.openxmlformats.org/presentationml/2006/main" xmlns:r="http://schemas.openxmlformats.org/officeDocument/2006/relationships" xmlns:p14="http://schemas.microsoft.com/office/powerpoint/2010/main" xmlns:p15="http://schemas.microsoft.com/office/powerpoint/2012/main" xmlns:mc="http://schemas.openxmlformats.org/markup-compatibility/2006" type="obj" preserve="1">
+<p:sldLayout xmlns:a="http://schemas.openxmlformats.org/drawingml/2006/main" xmlns:r="http://schemas.openxmlformats.org/officeDocument/2006/relationships" xmlns:p="http://schemas.openxmlformats.org/presentationml/2006/main" type="obj" preserve="1">
   <p:cSld name="Title, Content">
     <p:spTree>
       <p:nvGrpSpPr>
@@ -664,10 +798,11 @@
           </a:prstGeom>
         </p:spPr>
         <p:txBody>
-          <a:bodyPr lIns="0" rIns="0" tIns="0" bIns="0" anchor="ctr"/>
+          <a:bodyPr lIns="0" tIns="0" rIns="0" bIns="0" anchor="ctr"/>
+          <a:lstStyle/>
           <a:p>
             <a:pPr algn="ctr"/>
-            <a:endParaRPr b="0" lang="en-GB" sz="2400" spc="-1" strike="noStrike">
+            <a:endParaRPr lang="en-GB" sz="2400" b="0" strike="noStrike" spc="-1">
               <a:latin typeface="Adobe Garamond Pro"/>
             </a:endParaRPr>
           </a:p>
@@ -693,11 +828,12 @@
           </a:prstGeom>
         </p:spPr>
         <p:txBody>
-          <a:bodyPr lIns="0" rIns="0" tIns="0" bIns="0">
+          <a:bodyPr lIns="0" tIns="0" rIns="0" bIns="0">
             <a:normAutofit/>
           </a:bodyPr>
-          <a:p>
-            <a:endParaRPr b="0" lang="en-GB" sz="3200" spc="-1" strike="noStrike">
+          <a:lstStyle/>
+          <a:p>
+            <a:endParaRPr lang="en-GB" sz="3200" b="0" strike="noStrike" spc="-1">
               <a:latin typeface="Arial"/>
             </a:endParaRPr>
           </a:p>
@@ -705,11 +841,14 @@
       </p:sp>
     </p:spTree>
   </p:cSld>
+  <p:clrMapOvr>
+    <a:masterClrMapping/>
+  </p:clrMapOvr>
 </p:sldLayout>
 </file>
 
 <file path=ppt/slideLayouts/slideLayout4.xml><?xml version="1.0" encoding="utf-8"?>
-<p:sldLayout xmlns:a="http://schemas.openxmlformats.org/drawingml/2006/main" xmlns:p="http://schemas.openxmlformats.org/presentationml/2006/main" xmlns:r="http://schemas.openxmlformats.org/officeDocument/2006/relationships" xmlns:p14="http://schemas.microsoft.com/office/powerpoint/2010/main" xmlns:p15="http://schemas.microsoft.com/office/powerpoint/2012/main" xmlns:mc="http://schemas.openxmlformats.org/markup-compatibility/2006" type="twoObj" preserve="1">
+<p:sldLayout xmlns:a="http://schemas.openxmlformats.org/drawingml/2006/main" xmlns:r="http://schemas.openxmlformats.org/officeDocument/2006/relationships" xmlns:p="http://schemas.openxmlformats.org/presentationml/2006/main" type="twoObj" preserve="1">
   <p:cSld name="Title, 2 Content">
     <p:spTree>
       <p:nvGrpSpPr>
@@ -745,10 +884,11 @@
           </a:prstGeom>
         </p:spPr>
         <p:txBody>
-          <a:bodyPr lIns="0" rIns="0" tIns="0" bIns="0" anchor="ctr"/>
+          <a:bodyPr lIns="0" tIns="0" rIns="0" bIns="0" anchor="ctr"/>
+          <a:lstStyle/>
           <a:p>
             <a:pPr algn="ctr"/>
-            <a:endParaRPr b="0" lang="en-GB" sz="2400" spc="-1" strike="noStrike">
+            <a:endParaRPr lang="en-GB" sz="2400" b="0" strike="noStrike" spc="-1">
               <a:latin typeface="Adobe Garamond Pro"/>
             </a:endParaRPr>
           </a:p>
@@ -774,11 +914,12 @@
           </a:prstGeom>
         </p:spPr>
         <p:txBody>
-          <a:bodyPr lIns="0" rIns="0" tIns="0" bIns="0">
+          <a:bodyPr lIns="0" tIns="0" rIns="0" bIns="0">
             <a:normAutofit/>
           </a:bodyPr>
-          <a:p>
-            <a:endParaRPr b="0" lang="en-GB" sz="3200" spc="-1" strike="noStrike">
+          <a:lstStyle/>
+          <a:p>
+            <a:endParaRPr lang="en-GB" sz="3200" b="0" strike="noStrike" spc="-1">
               <a:latin typeface="Arial"/>
             </a:endParaRPr>
           </a:p>
@@ -804,11 +945,12 @@
           </a:prstGeom>
         </p:spPr>
         <p:txBody>
-          <a:bodyPr lIns="0" rIns="0" tIns="0" bIns="0">
+          <a:bodyPr lIns="0" tIns="0" rIns="0" bIns="0">
             <a:normAutofit/>
           </a:bodyPr>
-          <a:p>
-            <a:endParaRPr b="0" lang="en-GB" sz="3200" spc="-1" strike="noStrike">
+          <a:lstStyle/>
+          <a:p>
+            <a:endParaRPr lang="en-GB" sz="3200" b="0" strike="noStrike" spc="-1">
               <a:latin typeface="Arial"/>
             </a:endParaRPr>
           </a:p>
@@ -816,11 +958,14 @@
       </p:sp>
     </p:spTree>
   </p:cSld>
+  <p:clrMapOvr>
+    <a:masterClrMapping/>
+  </p:clrMapOvr>
 </p:sldLayout>
 </file>
 
 <file path=ppt/slideLayouts/slideLayout5.xml><?xml version="1.0" encoding="utf-8"?>
-<p:sldLayout xmlns:a="http://schemas.openxmlformats.org/drawingml/2006/main" xmlns:p="http://schemas.openxmlformats.org/presentationml/2006/main" xmlns:r="http://schemas.openxmlformats.org/officeDocument/2006/relationships" xmlns:p14="http://schemas.microsoft.com/office/powerpoint/2010/main" xmlns:p15="http://schemas.microsoft.com/office/powerpoint/2012/main" xmlns:mc="http://schemas.openxmlformats.org/markup-compatibility/2006" type="titleOnly" preserve="1">
+<p:sldLayout xmlns:a="http://schemas.openxmlformats.org/drawingml/2006/main" xmlns:r="http://schemas.openxmlformats.org/officeDocument/2006/relationships" xmlns:p="http://schemas.openxmlformats.org/presentationml/2006/main" type="titleOnly" preserve="1">
   <p:cSld name="Title Only">
     <p:spTree>
       <p:nvGrpSpPr>
@@ -856,10 +1001,11 @@
           </a:prstGeom>
         </p:spPr>
         <p:txBody>
-          <a:bodyPr lIns="0" rIns="0" tIns="0" bIns="0" anchor="ctr"/>
+          <a:bodyPr lIns="0" tIns="0" rIns="0" bIns="0" anchor="ctr"/>
+          <a:lstStyle/>
           <a:p>
             <a:pPr algn="ctr"/>
-            <a:endParaRPr b="0" lang="en-GB" sz="2400" spc="-1" strike="noStrike">
+            <a:endParaRPr lang="en-GB" sz="2400" b="0" strike="noStrike" spc="-1">
               <a:latin typeface="Adobe Garamond Pro"/>
             </a:endParaRPr>
           </a:p>
@@ -867,11 +1013,14 @@
       </p:sp>
     </p:spTree>
   </p:cSld>
+  <p:clrMapOvr>
+    <a:masterClrMapping/>
+  </p:clrMapOvr>
 </p:sldLayout>
 </file>
 
 <file path=ppt/slideLayouts/slideLayout6.xml><?xml version="1.0" encoding="utf-8"?>
-<p:sldLayout xmlns:a="http://schemas.openxmlformats.org/drawingml/2006/main" xmlns:p="http://schemas.openxmlformats.org/presentationml/2006/main" xmlns:r="http://schemas.openxmlformats.org/officeDocument/2006/relationships" xmlns:p14="http://schemas.microsoft.com/office/powerpoint/2010/main" xmlns:p15="http://schemas.microsoft.com/office/powerpoint/2012/main" xmlns:mc="http://schemas.openxmlformats.org/markup-compatibility/2006" type="objOnly" preserve="1">
+<p:sldLayout xmlns:a="http://schemas.openxmlformats.org/drawingml/2006/main" xmlns:r="http://schemas.openxmlformats.org/officeDocument/2006/relationships" xmlns:p="http://schemas.openxmlformats.org/presentationml/2006/main" type="objOnly" preserve="1">
   <p:cSld name="Centered Text">
     <p:spTree>
       <p:nvGrpSpPr>
@@ -907,10 +1056,11 @@
           </a:prstGeom>
         </p:spPr>
         <p:txBody>
-          <a:bodyPr lIns="0" rIns="0" tIns="0" bIns="0" anchor="ctr"/>
+          <a:bodyPr lIns="0" tIns="0" rIns="0" bIns="0" anchor="ctr"/>
+          <a:lstStyle/>
           <a:p>
             <a:pPr algn="ctr"/>
-            <a:endParaRPr b="0" lang="en-GB" sz="3200" spc="-1" strike="noStrike">
+            <a:endParaRPr lang="en-GB" sz="3200" b="0" strike="noStrike" spc="-1">
               <a:latin typeface="Arial"/>
             </a:endParaRPr>
           </a:p>
@@ -918,11 +1068,14 @@
       </p:sp>
     </p:spTree>
   </p:cSld>
+  <p:clrMapOvr>
+    <a:masterClrMapping/>
+  </p:clrMapOvr>
 </p:sldLayout>
 </file>
 
 <file path=ppt/slideLayouts/slideLayout7.xml><?xml version="1.0" encoding="utf-8"?>
-<p:sldLayout xmlns:a="http://schemas.openxmlformats.org/drawingml/2006/main" xmlns:p="http://schemas.openxmlformats.org/presentationml/2006/main" xmlns:r="http://schemas.openxmlformats.org/officeDocument/2006/relationships" xmlns:p14="http://schemas.microsoft.com/office/powerpoint/2010/main" xmlns:p15="http://schemas.microsoft.com/office/powerpoint/2012/main" xmlns:mc="http://schemas.openxmlformats.org/markup-compatibility/2006" type="twoObjAndObj" preserve="1">
+<p:sldLayout xmlns:a="http://schemas.openxmlformats.org/drawingml/2006/main" xmlns:r="http://schemas.openxmlformats.org/officeDocument/2006/relationships" xmlns:p="http://schemas.openxmlformats.org/presentationml/2006/main" type="twoObjAndObj" preserve="1">
   <p:cSld name="Title, 2 Content and Content">
     <p:spTree>
       <p:nvGrpSpPr>
@@ -958,10 +1111,11 @@
           </a:prstGeom>
         </p:spPr>
         <p:txBody>
-          <a:bodyPr lIns="0" rIns="0" tIns="0" bIns="0" anchor="ctr"/>
+          <a:bodyPr lIns="0" tIns="0" rIns="0" bIns="0" anchor="ctr"/>
+          <a:lstStyle/>
           <a:p>
             <a:pPr algn="ctr"/>
-            <a:endParaRPr b="0" lang="en-GB" sz="2400" spc="-1" strike="noStrike">
+            <a:endParaRPr lang="en-GB" sz="2400" b="0" strike="noStrike" spc="-1">
               <a:latin typeface="Adobe Garamond Pro"/>
             </a:endParaRPr>
           </a:p>
@@ -987,11 +1141,12 @@
           </a:prstGeom>
         </p:spPr>
         <p:txBody>
-          <a:bodyPr lIns="0" rIns="0" tIns="0" bIns="0">
+          <a:bodyPr lIns="0" tIns="0" rIns="0" bIns="0">
             <a:normAutofit/>
           </a:bodyPr>
-          <a:p>
-            <a:endParaRPr b="0" lang="en-GB" sz="3200" spc="-1" strike="noStrike">
+          <a:lstStyle/>
+          <a:p>
+            <a:endParaRPr lang="en-GB" sz="3200" b="0" strike="noStrike" spc="-1">
               <a:latin typeface="Arial"/>
             </a:endParaRPr>
           </a:p>
@@ -1017,11 +1172,12 @@
           </a:prstGeom>
         </p:spPr>
         <p:txBody>
-          <a:bodyPr lIns="0" rIns="0" tIns="0" bIns="0">
+          <a:bodyPr lIns="0" tIns="0" rIns="0" bIns="0">
             <a:normAutofit/>
           </a:bodyPr>
-          <a:p>
-            <a:endParaRPr b="0" lang="en-GB" sz="3200" spc="-1" strike="noStrike">
+          <a:lstStyle/>
+          <a:p>
+            <a:endParaRPr lang="en-GB" sz="3200" b="0" strike="noStrike" spc="-1">
               <a:latin typeface="Arial"/>
             </a:endParaRPr>
           </a:p>
@@ -1047,11 +1203,12 @@
           </a:prstGeom>
         </p:spPr>
         <p:txBody>
-          <a:bodyPr lIns="0" rIns="0" tIns="0" bIns="0">
+          <a:bodyPr lIns="0" tIns="0" rIns="0" bIns="0">
             <a:normAutofit/>
           </a:bodyPr>
-          <a:p>
-            <a:endParaRPr b="0" lang="en-GB" sz="3200" spc="-1" strike="noStrike">
+          <a:lstStyle/>
+          <a:p>
+            <a:endParaRPr lang="en-GB" sz="3200" b="0" strike="noStrike" spc="-1">
               <a:latin typeface="Arial"/>
             </a:endParaRPr>
           </a:p>
@@ -1059,11 +1216,14 @@
       </p:sp>
     </p:spTree>
   </p:cSld>
+  <p:clrMapOvr>
+    <a:masterClrMapping/>
+  </p:clrMapOvr>
 </p:sldLayout>
 </file>
 
 <file path=ppt/slideLayouts/slideLayout8.xml><?xml version="1.0" encoding="utf-8"?>
-<p:sldLayout xmlns:a="http://schemas.openxmlformats.org/drawingml/2006/main" xmlns:p="http://schemas.openxmlformats.org/presentationml/2006/main" xmlns:r="http://schemas.openxmlformats.org/officeDocument/2006/relationships" xmlns:p14="http://schemas.microsoft.com/office/powerpoint/2010/main" xmlns:p15="http://schemas.microsoft.com/office/powerpoint/2012/main" xmlns:mc="http://schemas.openxmlformats.org/markup-compatibility/2006" type="objAndTwoObj" preserve="1">
+<p:sldLayout xmlns:a="http://schemas.openxmlformats.org/drawingml/2006/main" xmlns:r="http://schemas.openxmlformats.org/officeDocument/2006/relationships" xmlns:p="http://schemas.openxmlformats.org/presentationml/2006/main" type="objAndTwoObj" preserve="1">
   <p:cSld name="Title Content and 2 Content">
     <p:spTree>
       <p:nvGrpSpPr>
@@ -1099,10 +1259,11 @@
           </a:prstGeom>
         </p:spPr>
         <p:txBody>
-          <a:bodyPr lIns="0" rIns="0" tIns="0" bIns="0" anchor="ctr"/>
+          <a:bodyPr lIns="0" tIns="0" rIns="0" bIns="0" anchor="ctr"/>
+          <a:lstStyle/>
           <a:p>
             <a:pPr algn="ctr"/>
-            <a:endParaRPr b="0" lang="en-GB" sz="2400" spc="-1" strike="noStrike">
+            <a:endParaRPr lang="en-GB" sz="2400" b="0" strike="noStrike" spc="-1">
               <a:latin typeface="Adobe Garamond Pro"/>
             </a:endParaRPr>
           </a:p>
@@ -1128,11 +1289,12 @@
           </a:prstGeom>
         </p:spPr>
         <p:txBody>
-          <a:bodyPr lIns="0" rIns="0" tIns="0" bIns="0">
+          <a:bodyPr lIns="0" tIns="0" rIns="0" bIns="0">
             <a:normAutofit/>
           </a:bodyPr>
-          <a:p>
-            <a:endParaRPr b="0" lang="en-GB" sz="3200" spc="-1" strike="noStrike">
+          <a:lstStyle/>
+          <a:p>
+            <a:endParaRPr lang="en-GB" sz="3200" b="0" strike="noStrike" spc="-1">
               <a:latin typeface="Arial"/>
             </a:endParaRPr>
           </a:p>
@@ -1158,11 +1320,12 @@
           </a:prstGeom>
         </p:spPr>
         <p:txBody>
-          <a:bodyPr lIns="0" rIns="0" tIns="0" bIns="0">
+          <a:bodyPr lIns="0" tIns="0" rIns="0" bIns="0">
             <a:normAutofit/>
           </a:bodyPr>
-          <a:p>
-            <a:endParaRPr b="0" lang="en-GB" sz="3200" spc="-1" strike="noStrike">
+          <a:lstStyle/>
+          <a:p>
+            <a:endParaRPr lang="en-GB" sz="3200" b="0" strike="noStrike" spc="-1">
               <a:latin typeface="Arial"/>
             </a:endParaRPr>
           </a:p>
@@ -1188,11 +1351,12 @@
           </a:prstGeom>
         </p:spPr>
         <p:txBody>
-          <a:bodyPr lIns="0" rIns="0" tIns="0" bIns="0">
+          <a:bodyPr lIns="0" tIns="0" rIns="0" bIns="0">
             <a:normAutofit/>
           </a:bodyPr>
-          <a:p>
-            <a:endParaRPr b="0" lang="en-GB" sz="3200" spc="-1" strike="noStrike">
+          <a:lstStyle/>
+          <a:p>
+            <a:endParaRPr lang="en-GB" sz="3200" b="0" strike="noStrike" spc="-1">
               <a:latin typeface="Arial"/>
             </a:endParaRPr>
           </a:p>
@@ -1200,11 +1364,14 @@
       </p:sp>
     </p:spTree>
   </p:cSld>
+  <p:clrMapOvr>
+    <a:masterClrMapping/>
+  </p:clrMapOvr>
 </p:sldLayout>
 </file>
 
 <file path=ppt/slideLayouts/slideLayout9.xml><?xml version="1.0" encoding="utf-8"?>
-<p:sldLayout xmlns:a="http://schemas.openxmlformats.org/drawingml/2006/main" xmlns:p="http://schemas.openxmlformats.org/presentationml/2006/main" xmlns:r="http://schemas.openxmlformats.org/officeDocument/2006/relationships" xmlns:p14="http://schemas.microsoft.com/office/powerpoint/2010/main" xmlns:p15="http://schemas.microsoft.com/office/powerpoint/2012/main" xmlns:mc="http://schemas.openxmlformats.org/markup-compatibility/2006" type="twoObjOverTx" preserve="1">
+<p:sldLayout xmlns:a="http://schemas.openxmlformats.org/drawingml/2006/main" xmlns:r="http://schemas.openxmlformats.org/officeDocument/2006/relationships" xmlns:p="http://schemas.openxmlformats.org/presentationml/2006/main" type="twoObjOverTx" preserve="1">
   <p:cSld name="Title, 2 Content over Content">
     <p:spTree>
       <p:nvGrpSpPr>
@@ -1240,10 +1407,11 @@
           </a:prstGeom>
         </p:spPr>
         <p:txBody>
-          <a:bodyPr lIns="0" rIns="0" tIns="0" bIns="0" anchor="ctr"/>
+          <a:bodyPr lIns="0" tIns="0" rIns="0" bIns="0" anchor="ctr"/>
+          <a:lstStyle/>
           <a:p>
             <a:pPr algn="ctr"/>
-            <a:endParaRPr b="0" lang="en-GB" sz="2400" spc="-1" strike="noStrike">
+            <a:endParaRPr lang="en-GB" sz="2400" b="0" strike="noStrike" spc="-1">
               <a:latin typeface="Adobe Garamond Pro"/>
             </a:endParaRPr>
           </a:p>
@@ -1269,11 +1437,12 @@
           </a:prstGeom>
         </p:spPr>
         <p:txBody>
-          <a:bodyPr lIns="0" rIns="0" tIns="0" bIns="0">
+          <a:bodyPr lIns="0" tIns="0" rIns="0" bIns="0">
             <a:normAutofit/>
           </a:bodyPr>
-          <a:p>
-            <a:endParaRPr b="0" lang="en-GB" sz="3200" spc="-1" strike="noStrike">
+          <a:lstStyle/>
+          <a:p>
+            <a:endParaRPr lang="en-GB" sz="3200" b="0" strike="noStrike" spc="-1">
               <a:latin typeface="Arial"/>
             </a:endParaRPr>
           </a:p>
@@ -1299,11 +1468,12 @@
           </a:prstGeom>
         </p:spPr>
         <p:txBody>
-          <a:bodyPr lIns="0" rIns="0" tIns="0" bIns="0">
+          <a:bodyPr lIns="0" tIns="0" rIns="0" bIns="0">
             <a:normAutofit/>
           </a:bodyPr>
-          <a:p>
-            <a:endParaRPr b="0" lang="en-GB" sz="3200" spc="-1" strike="noStrike">
+          <a:lstStyle/>
+          <a:p>
+            <a:endParaRPr lang="en-GB" sz="3200" b="0" strike="noStrike" spc="-1">
               <a:latin typeface="Arial"/>
             </a:endParaRPr>
           </a:p>
@@ -1329,11 +1499,12 @@
           </a:prstGeom>
         </p:spPr>
         <p:txBody>
-          <a:bodyPr lIns="0" rIns="0" tIns="0" bIns="0">
+          <a:bodyPr lIns="0" tIns="0" rIns="0" bIns="0">
             <a:normAutofit/>
           </a:bodyPr>
-          <a:p>
-            <a:endParaRPr b="0" lang="en-GB" sz="3200" spc="-1" strike="noStrike">
+          <a:lstStyle/>
+          <a:p>
+            <a:endParaRPr lang="en-GB" sz="3200" b="0" strike="noStrike" spc="-1">
               <a:latin typeface="Arial"/>
             </a:endParaRPr>
           </a:p>
@@ -1341,11 +1512,629 @@
       </p:sp>
     </p:spTree>
   </p:cSld>
+  <p:clrMapOvr>
+    <a:masterClrMapping/>
+  </p:clrMapOvr>
 </p:sldLayout>
 </file>
 
 <file path=ppt/slideMasters/slideMaster1.xml><?xml version="1.0" encoding="utf-8"?>
-<p:sldMaster xmlns:a="http://schemas.openxmlformats.org/drawingml/2006/main" xmlns:p="http://schemas.openxmlformats.org/presentationml/2006/main" xmlns:r="http://schemas.openxmlformats.org/officeDocument/2006/relationships" xmlns:p14="http://schemas.microsoft.com/office/powerpoint/2010/main" xmlns:p15="http://schemas.microsoft.com/office/powerpoint/2012/main" xmlns:mc="http://schemas.openxmlformats.org/markup-compatibility/2006">
+<p:sldMaster xmlns:a="http://schemas.openxmlformats.org/drawingml/2006/main" xmlns:r="http://schemas.openxmlformats.org/officeDocument/2006/relationships" xmlns:p="http://schemas.openxmlformats.org/presentationml/2006/main">
+  <p:cSld>
+    <p:bg>
+      <p:bgRef idx="1001">
+        <a:schemeClr val="bg1"/>
+      </p:bgRef>
+    </p:bg>
+    <p:spTree>
+      <p:nvGrpSpPr>
+        <p:cNvPr id="1" name=""/>
+        <p:cNvGrpSpPr/>
+        <p:nvPr/>
+      </p:nvGrpSpPr>
+      <p:grpSpPr>
+        <a:xfrm>
+          <a:off x="0" y="0"/>
+          <a:ext cx="0" cy="0"/>
+          <a:chOff x="0" y="0"/>
+          <a:chExt cx="0" cy="0"/>
+        </a:xfrm>
+      </p:grpSpPr>
+      <p:sp>
+        <p:nvSpPr>
+          <p:cNvPr id="5" name="PlaceHolder 1"/>
+          <p:cNvSpPr>
+            <a:spLocks noGrp="1"/>
+          </p:cNvSpPr>
+          <p:nvPr>
+            <p:ph type="title"/>
+          </p:nvPr>
+        </p:nvSpPr>
+        <p:spPr>
+          <a:xfrm>
+            <a:off x="504000" y="226080"/>
+            <a:ext cx="9071640" cy="946440"/>
+          </a:xfrm>
+          <a:prstGeom prst="rect">
+            <a:avLst/>
+          </a:prstGeom>
+        </p:spPr>
+        <p:txBody>
+          <a:bodyPr lIns="0" tIns="0" rIns="0" bIns="0" anchor="ctr"/>
+          <a:lstStyle/>
+          <a:p>
+            <a:pPr algn="ctr"/>
+            <a:r>
+              <a:rPr lang="en-GB" sz="2400" b="0" strike="noStrike" spc="-1">
+                <a:latin typeface="Adobe Garamond Pro"/>
+              </a:rPr>
+              <a:t>Click to edit the title text format</a:t>
+            </a:r>
+          </a:p>
+        </p:txBody>
+      </p:sp>
+      <p:sp>
+        <p:nvSpPr>
+          <p:cNvPr id="6" name="PlaceHolder 2"/>
+          <p:cNvSpPr>
+            <a:spLocks noGrp="1"/>
+          </p:cNvSpPr>
+          <p:nvPr>
+            <p:ph type="body"/>
+          </p:nvPr>
+        </p:nvSpPr>
+        <p:spPr>
+          <a:xfrm>
+            <a:off x="504000" y="1326600"/>
+            <a:ext cx="9071640" cy="3288240"/>
+          </a:xfrm>
+          <a:prstGeom prst="rect">
+            <a:avLst/>
+          </a:prstGeom>
+        </p:spPr>
+        <p:txBody>
+          <a:bodyPr lIns="0" tIns="0" rIns="0" bIns="0">
+            <a:normAutofit/>
+          </a:bodyPr>
+          <a:lstStyle/>
+          <a:p>
+            <a:pPr marL="432000" indent="-324000">
+              <a:spcBef>
+                <a:spcPts val="1417"/>
+              </a:spcBef>
+              <a:buClr>
+                <a:srgbClr val="000000"/>
+              </a:buClr>
+              <a:buSzPct val="45000"/>
+              <a:buFont typeface="Wingdings" charset="2"/>
+              <a:buChar char=""/>
+            </a:pPr>
+            <a:r>
+              <a:rPr lang="en-GB" sz="3200" b="0" strike="noStrike" spc="-1">
+                <a:latin typeface="Arial"/>
+              </a:rPr>
+              <a:t>Click to edit the outline text format</a:t>
+            </a:r>
+          </a:p>
+          <a:p>
+            <a:pPr marL="864000" lvl="1" indent="-324000">
+              <a:spcBef>
+                <a:spcPts val="1134"/>
+              </a:spcBef>
+              <a:buClr>
+                <a:srgbClr val="000000"/>
+              </a:buClr>
+              <a:buSzPct val="75000"/>
+              <a:buFont typeface="Symbol" charset="2"/>
+              <a:buChar char=""/>
+            </a:pPr>
+            <a:r>
+              <a:rPr lang="en-GB" sz="2800" b="0" strike="noStrike" spc="-1">
+                <a:latin typeface="Arial"/>
+              </a:rPr>
+              <a:t>Second Outline Level</a:t>
+            </a:r>
+          </a:p>
+          <a:p>
+            <a:pPr marL="1296000" lvl="2" indent="-288000">
+              <a:spcBef>
+                <a:spcPts val="850"/>
+              </a:spcBef>
+              <a:buClr>
+                <a:srgbClr val="000000"/>
+              </a:buClr>
+              <a:buSzPct val="45000"/>
+              <a:buFont typeface="Wingdings" charset="2"/>
+              <a:buChar char=""/>
+            </a:pPr>
+            <a:r>
+              <a:rPr lang="en-GB" sz="2400" b="0" strike="noStrike" spc="-1">
+                <a:latin typeface="Arial"/>
+              </a:rPr>
+              <a:t>Third Outline Level</a:t>
+            </a:r>
+          </a:p>
+          <a:p>
+            <a:pPr marL="1728000" lvl="3" indent="-216000">
+              <a:spcBef>
+                <a:spcPts val="567"/>
+              </a:spcBef>
+              <a:buClr>
+                <a:srgbClr val="000000"/>
+              </a:buClr>
+              <a:buSzPct val="75000"/>
+              <a:buFont typeface="Symbol" charset="2"/>
+              <a:buChar char=""/>
+            </a:pPr>
+            <a:r>
+              <a:rPr lang="en-GB" sz="2000" b="0" strike="noStrike" spc="-1">
+                <a:latin typeface="Arial"/>
+              </a:rPr>
+              <a:t>Fourth Outline Level</a:t>
+            </a:r>
+          </a:p>
+          <a:p>
+            <a:pPr marL="2160000" lvl="4" indent="-216000">
+              <a:spcBef>
+                <a:spcPts val="283"/>
+              </a:spcBef>
+              <a:buClr>
+                <a:srgbClr val="000000"/>
+              </a:buClr>
+              <a:buSzPct val="45000"/>
+              <a:buFont typeface="Wingdings" charset="2"/>
+              <a:buChar char=""/>
+            </a:pPr>
+            <a:r>
+              <a:rPr lang="en-GB" sz="2000" b="0" strike="noStrike" spc="-1">
+                <a:latin typeface="Arial"/>
+              </a:rPr>
+              <a:t>Fifth Outline Level</a:t>
+            </a:r>
+          </a:p>
+          <a:p>
+            <a:pPr marL="2592000" lvl="5" indent="-216000">
+              <a:spcBef>
+                <a:spcPts val="283"/>
+              </a:spcBef>
+              <a:buClr>
+                <a:srgbClr val="000000"/>
+              </a:buClr>
+              <a:buSzPct val="45000"/>
+              <a:buFont typeface="Wingdings" charset="2"/>
+              <a:buChar char=""/>
+            </a:pPr>
+            <a:r>
+              <a:rPr lang="en-GB" sz="2000" b="0" strike="noStrike" spc="-1">
+                <a:latin typeface="Arial"/>
+              </a:rPr>
+              <a:t>Sixth Outline Level</a:t>
+            </a:r>
+          </a:p>
+          <a:p>
+            <a:pPr marL="3024000" lvl="6" indent="-216000">
+              <a:spcBef>
+                <a:spcPts val="283"/>
+              </a:spcBef>
+              <a:buClr>
+                <a:srgbClr val="000000"/>
+              </a:buClr>
+              <a:buSzPct val="45000"/>
+              <a:buFont typeface="Wingdings" charset="2"/>
+              <a:buChar char=""/>
+            </a:pPr>
+            <a:r>
+              <a:rPr lang="en-GB" sz="2000" b="0" strike="noStrike" spc="-1">
+                <a:latin typeface="Arial"/>
+              </a:rPr>
+              <a:t>Seventh Outline Level</a:t>
+            </a:r>
+          </a:p>
+        </p:txBody>
+      </p:sp>
+      <p:sp>
+        <p:nvSpPr>
+          <p:cNvPr id="2" name="PlaceHolder 3"/>
+          <p:cNvSpPr>
+            <a:spLocks noGrp="1"/>
+          </p:cNvSpPr>
+          <p:nvPr>
+            <p:ph type="dt"/>
+          </p:nvPr>
+        </p:nvSpPr>
+        <p:spPr>
+          <a:xfrm>
+            <a:off x="504000" y="5165280"/>
+            <a:ext cx="2348280" cy="390600"/>
+          </a:xfrm>
+          <a:prstGeom prst="rect">
+            <a:avLst/>
+          </a:prstGeom>
+        </p:spPr>
+        <p:txBody>
+          <a:bodyPr lIns="0" tIns="0" rIns="0" bIns="0"/>
+          <a:lstStyle/>
+          <a:p>
+            <a:r>
+              <a:rPr lang="en-GB" sz="1400" b="0" strike="noStrike" spc="-1">
+                <a:latin typeface="Times New Roman"/>
+              </a:rPr>
+              <a:t>&lt;date/time&gt;</a:t>
+            </a:r>
+          </a:p>
+        </p:txBody>
+      </p:sp>
+      <p:sp>
+        <p:nvSpPr>
+          <p:cNvPr id="3" name="PlaceHolder 4"/>
+          <p:cNvSpPr>
+            <a:spLocks noGrp="1"/>
+          </p:cNvSpPr>
+          <p:nvPr>
+            <p:ph type="ftr"/>
+          </p:nvPr>
+        </p:nvSpPr>
+        <p:spPr>
+          <a:xfrm>
+            <a:off x="3447360" y="5165280"/>
+            <a:ext cx="3195000" cy="390600"/>
+          </a:xfrm>
+          <a:prstGeom prst="rect">
+            <a:avLst/>
+          </a:prstGeom>
+        </p:spPr>
+        <p:txBody>
+          <a:bodyPr lIns="0" tIns="0" rIns="0" bIns="0"/>
+          <a:lstStyle/>
+          <a:p>
+            <a:pPr algn="ctr"/>
+            <a:r>
+              <a:rPr lang="en-GB" sz="1400" b="0" strike="noStrike" spc="-1">
+                <a:latin typeface="Times New Roman"/>
+              </a:rPr>
+              <a:t>&lt;footer&gt;</a:t>
+            </a:r>
+          </a:p>
+        </p:txBody>
+      </p:sp>
+      <p:sp>
+        <p:nvSpPr>
+          <p:cNvPr id="4" name="PlaceHolder 5"/>
+          <p:cNvSpPr>
+            <a:spLocks noGrp="1"/>
+          </p:cNvSpPr>
+          <p:nvPr>
+            <p:ph type="sldNum"/>
+          </p:nvPr>
+        </p:nvSpPr>
+        <p:spPr>
+          <a:xfrm>
+            <a:off x="7227360" y="5165280"/>
+            <a:ext cx="2348280" cy="390600"/>
+          </a:xfrm>
+          <a:prstGeom prst="rect">
+            <a:avLst/>
+          </a:prstGeom>
+        </p:spPr>
+        <p:txBody>
+          <a:bodyPr lIns="0" tIns="0" rIns="0" bIns="0"/>
+          <a:lstStyle/>
+          <a:p>
+            <a:pPr algn="r"/>
+            <a:fld id="{2E358EF8-6EC6-4109-8B9E-9E4B27A07DD8}" type="slidenum">
+              <a:rPr lang="en-GB" sz="1400" b="0" strike="noStrike" spc="-1">
+                <a:latin typeface="Times New Roman"/>
+              </a:rPr>
+              <a:t>‹#›</a:t>
+            </a:fld>
+            <a:endParaRPr lang="en-GB" sz="1400" b="0" strike="noStrike" spc="-1">
+              <a:latin typeface="Times New Roman"/>
+            </a:endParaRPr>
+          </a:p>
+        </p:txBody>
+      </p:sp>
+    </p:spTree>
+  </p:cSld>
+  <p:clrMap bg1="lt1" tx1="dk1" bg2="lt2" tx2="dk2" accent1="accent1" accent2="accent2" accent3="accent3" accent4="accent4" accent5="accent5" accent6="accent6" hlink="hlink" folHlink="folHlink"/>
+  <p:sldLayoutIdLst>
+    <p:sldLayoutId id="2147483649" r:id="rId1"/>
+    <p:sldLayoutId id="2147483650" r:id="rId2"/>
+    <p:sldLayoutId id="2147483651" r:id="rId3"/>
+    <p:sldLayoutId id="2147483652" r:id="rId4"/>
+    <p:sldLayoutId id="2147483653" r:id="rId5"/>
+    <p:sldLayoutId id="2147483654" r:id="rId6"/>
+    <p:sldLayoutId id="2147483655" r:id="rId7"/>
+    <p:sldLayoutId id="2147483656" r:id="rId8"/>
+    <p:sldLayoutId id="2147483657" r:id="rId9"/>
+    <p:sldLayoutId id="2147483658" r:id="rId10"/>
+    <p:sldLayoutId id="2147483659" r:id="rId11"/>
+    <p:sldLayoutId id="2147483660" r:id="rId12"/>
+  </p:sldLayoutIdLst>
+  <p:txStyles>
+    <p:titleStyle>
+      <a:lvl1pPr algn="l" defTabSz="914400" rtl="0" eaLnBrk="1" latinLnBrk="0" hangingPunct="1">
+        <a:lnSpc>
+          <a:spcPct val="90000"/>
+        </a:lnSpc>
+        <a:spcBef>
+          <a:spcPct val="0"/>
+        </a:spcBef>
+        <a:buNone/>
+        <a:defRPr sz="4400" kern="1200">
+          <a:solidFill>
+            <a:schemeClr val="tx1"/>
+          </a:solidFill>
+          <a:latin typeface="+mj-lt"/>
+          <a:ea typeface="+mj-ea"/>
+          <a:cs typeface="+mj-cs"/>
+        </a:defRPr>
+      </a:lvl1pPr>
+    </p:titleStyle>
+    <p:bodyStyle>
+      <a:lvl1pPr marL="228600" indent="-228600" algn="l" defTabSz="914400" rtl="0" eaLnBrk="1" latinLnBrk="0" hangingPunct="1">
+        <a:lnSpc>
+          <a:spcPct val="90000"/>
+        </a:lnSpc>
+        <a:spcBef>
+          <a:spcPts val="1000"/>
+        </a:spcBef>
+        <a:buFont typeface="Arial" panose="020B0604020202020204" pitchFamily="34" charset="0"/>
+        <a:buChar char="•"/>
+        <a:defRPr sz="2800" kern="1200">
+          <a:solidFill>
+            <a:schemeClr val="tx1"/>
+          </a:solidFill>
+          <a:latin typeface="+mn-lt"/>
+          <a:ea typeface="+mn-ea"/>
+          <a:cs typeface="+mn-cs"/>
+        </a:defRPr>
+      </a:lvl1pPr>
+      <a:lvl2pPr marL="685800" indent="-228600" algn="l" defTabSz="914400" rtl="0" eaLnBrk="1" latinLnBrk="0" hangingPunct="1">
+        <a:lnSpc>
+          <a:spcPct val="90000"/>
+        </a:lnSpc>
+        <a:spcBef>
+          <a:spcPts val="500"/>
+        </a:spcBef>
+        <a:buFont typeface="Arial" panose="020B0604020202020204" pitchFamily="34" charset="0"/>
+        <a:buChar char="•"/>
+        <a:defRPr sz="2400" kern="1200">
+          <a:solidFill>
+            <a:schemeClr val="tx1"/>
+          </a:solidFill>
+          <a:latin typeface="+mn-lt"/>
+          <a:ea typeface="+mn-ea"/>
+          <a:cs typeface="+mn-cs"/>
+        </a:defRPr>
+      </a:lvl2pPr>
+      <a:lvl3pPr marL="1143000" indent="-228600" algn="l" defTabSz="914400" rtl="0" eaLnBrk="1" latinLnBrk="0" hangingPunct="1">
+        <a:lnSpc>
+          <a:spcPct val="90000"/>
+        </a:lnSpc>
+        <a:spcBef>
+          <a:spcPts val="500"/>
+        </a:spcBef>
+        <a:buFont typeface="Arial" panose="020B0604020202020204" pitchFamily="34" charset="0"/>
+        <a:buChar char="•"/>
+        <a:defRPr sz="2000" kern="1200">
+          <a:solidFill>
+            <a:schemeClr val="tx1"/>
+          </a:solidFill>
+          <a:latin typeface="+mn-lt"/>
+          <a:ea typeface="+mn-ea"/>
+          <a:cs typeface="+mn-cs"/>
+        </a:defRPr>
+      </a:lvl3pPr>
+      <a:lvl4pPr marL="1600200" indent="-228600" algn="l" defTabSz="914400" rtl="0" eaLnBrk="1" latinLnBrk="0" hangingPunct="1">
+        <a:lnSpc>
+          <a:spcPct val="90000"/>
+        </a:lnSpc>
+        <a:spcBef>
+          <a:spcPts val="500"/>
+        </a:spcBef>
+        <a:buFont typeface="Arial" panose="020B0604020202020204" pitchFamily="34" charset="0"/>
+        <a:buChar char="•"/>
+        <a:defRPr sz="1800" kern="1200">
+          <a:solidFill>
+            <a:schemeClr val="tx1"/>
+          </a:solidFill>
+          <a:latin typeface="+mn-lt"/>
+          <a:ea typeface="+mn-ea"/>
+          <a:cs typeface="+mn-cs"/>
+        </a:defRPr>
+      </a:lvl4pPr>
+      <a:lvl5pPr marL="2057400" indent="-228600" algn="l" defTabSz="914400" rtl="0" eaLnBrk="1" latinLnBrk="0" hangingPunct="1">
+        <a:lnSpc>
+          <a:spcPct val="90000"/>
+        </a:lnSpc>
+        <a:spcBef>
+          <a:spcPts val="500"/>
+        </a:spcBef>
+        <a:buFont typeface="Arial" panose="020B0604020202020204" pitchFamily="34" charset="0"/>
+        <a:buChar char="•"/>
+        <a:defRPr sz="1800" kern="1200">
+          <a:solidFill>
+            <a:schemeClr val="tx1"/>
+          </a:solidFill>
+          <a:latin typeface="+mn-lt"/>
+          <a:ea typeface="+mn-ea"/>
+          <a:cs typeface="+mn-cs"/>
+        </a:defRPr>
+      </a:lvl5pPr>
+      <a:lvl6pPr marL="2514600" indent="-228600" algn="l" defTabSz="914400" rtl="0" eaLnBrk="1" latinLnBrk="0" hangingPunct="1">
+        <a:lnSpc>
+          <a:spcPct val="90000"/>
+        </a:lnSpc>
+        <a:spcBef>
+          <a:spcPts val="500"/>
+        </a:spcBef>
+        <a:buFont typeface="Arial" panose="020B0604020202020204" pitchFamily="34" charset="0"/>
+        <a:buChar char="•"/>
+        <a:defRPr sz="1800" kern="1200">
+          <a:solidFill>
+            <a:schemeClr val="tx1"/>
+          </a:solidFill>
+          <a:latin typeface="+mn-lt"/>
+          <a:ea typeface="+mn-ea"/>
+          <a:cs typeface="+mn-cs"/>
+        </a:defRPr>
+      </a:lvl6pPr>
+      <a:lvl7pPr marL="2971800" indent="-228600" algn="l" defTabSz="914400" rtl="0" eaLnBrk="1" latinLnBrk="0" hangingPunct="1">
+        <a:lnSpc>
+          <a:spcPct val="90000"/>
+        </a:lnSpc>
+        <a:spcBef>
+          <a:spcPts val="500"/>
+        </a:spcBef>
+        <a:buFont typeface="Arial" panose="020B0604020202020204" pitchFamily="34" charset="0"/>
+        <a:buChar char="•"/>
+        <a:defRPr sz="1800" kern="1200">
+          <a:solidFill>
+            <a:schemeClr val="tx1"/>
+          </a:solidFill>
+          <a:latin typeface="+mn-lt"/>
+          <a:ea typeface="+mn-ea"/>
+          <a:cs typeface="+mn-cs"/>
+        </a:defRPr>
+      </a:lvl7pPr>
+      <a:lvl8pPr marL="3429000" indent="-228600" algn="l" defTabSz="914400" rtl="0" eaLnBrk="1" latinLnBrk="0" hangingPunct="1">
+        <a:lnSpc>
+          <a:spcPct val="90000"/>
+        </a:lnSpc>
+        <a:spcBef>
+          <a:spcPts val="500"/>
+        </a:spcBef>
+        <a:buFont typeface="Arial" panose="020B0604020202020204" pitchFamily="34" charset="0"/>
+        <a:buChar char="•"/>
+        <a:defRPr sz="1800" kern="1200">
+          <a:solidFill>
+            <a:schemeClr val="tx1"/>
+          </a:solidFill>
+          <a:latin typeface="+mn-lt"/>
+          <a:ea typeface="+mn-ea"/>
+          <a:cs typeface="+mn-cs"/>
+        </a:defRPr>
+      </a:lvl8pPr>
+      <a:lvl9pPr marL="3886200" indent="-228600" algn="l" defTabSz="914400" rtl="0" eaLnBrk="1" latinLnBrk="0" hangingPunct="1">
+        <a:lnSpc>
+          <a:spcPct val="90000"/>
+        </a:lnSpc>
+        <a:spcBef>
+          <a:spcPts val="500"/>
+        </a:spcBef>
+        <a:buFont typeface="Arial" panose="020B0604020202020204" pitchFamily="34" charset="0"/>
+        <a:buChar char="•"/>
+        <a:defRPr sz="1800" kern="1200">
+          <a:solidFill>
+            <a:schemeClr val="tx1"/>
+          </a:solidFill>
+          <a:latin typeface="+mn-lt"/>
+          <a:ea typeface="+mn-ea"/>
+          <a:cs typeface="+mn-cs"/>
+        </a:defRPr>
+      </a:lvl9pPr>
+    </p:bodyStyle>
+    <p:otherStyle>
+      <a:defPPr>
+        <a:defRPr lang="en-US"/>
+      </a:defPPr>
+      <a:lvl1pPr marL="0" algn="l" defTabSz="914400" rtl="0" eaLnBrk="1" latinLnBrk="0" hangingPunct="1">
+        <a:defRPr sz="1800" kern="1200">
+          <a:solidFill>
+            <a:schemeClr val="tx1"/>
+          </a:solidFill>
+          <a:latin typeface="+mn-lt"/>
+          <a:ea typeface="+mn-ea"/>
+          <a:cs typeface="+mn-cs"/>
+        </a:defRPr>
+      </a:lvl1pPr>
+      <a:lvl2pPr marL="457200" algn="l" defTabSz="914400" rtl="0" eaLnBrk="1" latinLnBrk="0" hangingPunct="1">
+        <a:defRPr sz="1800" kern="1200">
+          <a:solidFill>
+            <a:schemeClr val="tx1"/>
+          </a:solidFill>
+          <a:latin typeface="+mn-lt"/>
+          <a:ea typeface="+mn-ea"/>
+          <a:cs typeface="+mn-cs"/>
+        </a:defRPr>
+      </a:lvl2pPr>
+      <a:lvl3pPr marL="914400" algn="l" defTabSz="914400" rtl="0" eaLnBrk="1" latinLnBrk="0" hangingPunct="1">
+        <a:defRPr sz="1800" kern="1200">
+          <a:solidFill>
+            <a:schemeClr val="tx1"/>
+          </a:solidFill>
+          <a:latin typeface="+mn-lt"/>
+          <a:ea typeface="+mn-ea"/>
+          <a:cs typeface="+mn-cs"/>
+        </a:defRPr>
+      </a:lvl3pPr>
+      <a:lvl4pPr marL="1371600" algn="l" defTabSz="914400" rtl="0" eaLnBrk="1" latinLnBrk="0" hangingPunct="1">
+        <a:defRPr sz="1800" kern="1200">
+          <a:solidFill>
+            <a:schemeClr val="tx1"/>
+          </a:solidFill>
+          <a:latin typeface="+mn-lt"/>
+          <a:ea typeface="+mn-ea"/>
+          <a:cs typeface="+mn-cs"/>
+        </a:defRPr>
+      </a:lvl4pPr>
+      <a:lvl5pPr marL="1828800" algn="l" defTabSz="914400" rtl="0" eaLnBrk="1" latinLnBrk="0" hangingPunct="1">
+        <a:defRPr sz="1800" kern="1200">
+          <a:solidFill>
+            <a:schemeClr val="tx1"/>
+          </a:solidFill>
+          <a:latin typeface="+mn-lt"/>
+          <a:ea typeface="+mn-ea"/>
+          <a:cs typeface="+mn-cs"/>
+        </a:defRPr>
+      </a:lvl5pPr>
+      <a:lvl6pPr marL="2286000" algn="l" defTabSz="914400" rtl="0" eaLnBrk="1" latinLnBrk="0" hangingPunct="1">
+        <a:defRPr sz="1800" kern="1200">
+          <a:solidFill>
+            <a:schemeClr val="tx1"/>
+          </a:solidFill>
+          <a:latin typeface="+mn-lt"/>
+          <a:ea typeface="+mn-ea"/>
+          <a:cs typeface="+mn-cs"/>
+        </a:defRPr>
+      </a:lvl6pPr>
+      <a:lvl7pPr marL="2743200" algn="l" defTabSz="914400" rtl="0" eaLnBrk="1" latinLnBrk="0" hangingPunct="1">
+        <a:defRPr sz="1800" kern="1200">
+          <a:solidFill>
+            <a:schemeClr val="tx1"/>
+          </a:solidFill>
+          <a:latin typeface="+mn-lt"/>
+          <a:ea typeface="+mn-ea"/>
+          <a:cs typeface="+mn-cs"/>
+        </a:defRPr>
+      </a:lvl7pPr>
+      <a:lvl8pPr marL="3200400" algn="l" defTabSz="914400" rtl="0" eaLnBrk="1" latinLnBrk="0" hangingPunct="1">
+        <a:defRPr sz="1800" kern="1200">
+          <a:solidFill>
+            <a:schemeClr val="tx1"/>
+          </a:solidFill>
+          <a:latin typeface="+mn-lt"/>
+          <a:ea typeface="+mn-ea"/>
+          <a:cs typeface="+mn-cs"/>
+        </a:defRPr>
+      </a:lvl8pPr>
+      <a:lvl9pPr marL="3657600" algn="l" defTabSz="914400" rtl="0" eaLnBrk="1" latinLnBrk="0" hangingPunct="1">
+        <a:defRPr sz="1800" kern="1200">
+          <a:solidFill>
+            <a:schemeClr val="tx1"/>
+          </a:solidFill>
+          <a:latin typeface="+mn-lt"/>
+          <a:ea typeface="+mn-ea"/>
+          <a:cs typeface="+mn-cs"/>
+        </a:defRPr>
+      </a:lvl9pPr>
+    </p:otherStyle>
+  </p:txStyles>
+</p:sldMaster>
+</file>
+
+<file path=ppt/slides/slide1.xml><?xml version="1.0" encoding="utf-8"?>
+<p:sld xmlns:a="http://schemas.openxmlformats.org/drawingml/2006/main" xmlns:r="http://schemas.openxmlformats.org/officeDocument/2006/relationships" xmlns:p="http://schemas.openxmlformats.org/presentationml/2006/main">
   <p:cSld>
     <p:spTree>
       <p:nvGrpSpPr>
@@ -1363,361 +2152,6 @@
       </p:grpSpPr>
       <p:sp>
         <p:nvSpPr>
-          <p:cNvPr id="0" name="PlaceHolder 1"/>
-          <p:cNvSpPr>
-            <a:spLocks noGrp="1"/>
-          </p:cNvSpPr>
-          <p:nvPr>
-            <p:ph type="title"/>
-          </p:nvPr>
-        </p:nvSpPr>
-        <p:spPr>
-          <a:xfrm>
-            <a:off x="504000" y="226080"/>
-            <a:ext cx="9071640" cy="946440"/>
-          </a:xfrm>
-          <a:prstGeom prst="rect">
-            <a:avLst/>
-          </a:prstGeom>
-        </p:spPr>
-        <p:txBody>
-          <a:bodyPr lIns="0" rIns="0" tIns="0" bIns="0" anchor="ctr"/>
-          <a:p>
-            <a:pPr algn="ctr"/>
-            <a:r>
-              <a:rPr b="0" lang="en-GB" sz="2400" spc="-1" strike="noStrike">
-                <a:latin typeface="Adobe Garamond Pro"/>
-              </a:rPr>
-              <a:t>Click to edit the title text format</a:t>
-            </a:r>
-            <a:endParaRPr b="0" lang="en-GB" sz="2400" spc="-1" strike="noStrike">
-              <a:latin typeface="Adobe Garamond Pro"/>
-            </a:endParaRPr>
-          </a:p>
-        </p:txBody>
-      </p:sp>
-      <p:sp>
-        <p:nvSpPr>
-          <p:cNvPr id="1" name="PlaceHolder 2"/>
-          <p:cNvSpPr>
-            <a:spLocks noGrp="1"/>
-          </p:cNvSpPr>
-          <p:nvPr>
-            <p:ph type="body"/>
-          </p:nvPr>
-        </p:nvSpPr>
-        <p:spPr>
-          <a:xfrm>
-            <a:off x="504000" y="1326600"/>
-            <a:ext cx="9071640" cy="3288240"/>
-          </a:xfrm>
-          <a:prstGeom prst="rect">
-            <a:avLst/>
-          </a:prstGeom>
-        </p:spPr>
-        <p:txBody>
-          <a:bodyPr lIns="0" rIns="0" tIns="0" bIns="0">
-            <a:normAutofit/>
-          </a:bodyPr>
-          <a:p>
-            <a:pPr marL="432000" indent="-324000">
-              <a:spcBef>
-                <a:spcPts val="1417"/>
-              </a:spcBef>
-              <a:buClr>
-                <a:srgbClr val="000000"/>
-              </a:buClr>
-              <a:buSzPct val="45000"/>
-              <a:buFont typeface="Wingdings" charset="2"/>
-              <a:buChar char=""/>
-            </a:pPr>
-            <a:r>
-              <a:rPr b="0" lang="en-GB" sz="3200" spc="-1" strike="noStrike">
-                <a:latin typeface="Arial"/>
-              </a:rPr>
-              <a:t>Click to edit the outline text format</a:t>
-            </a:r>
-            <a:endParaRPr b="0" lang="en-GB" sz="3200" spc="-1" strike="noStrike">
-              <a:latin typeface="Arial"/>
-            </a:endParaRPr>
-          </a:p>
-          <a:p>
-            <a:pPr lvl="1" marL="864000" indent="-324000">
-              <a:spcBef>
-                <a:spcPts val="1134"/>
-              </a:spcBef>
-              <a:buClr>
-                <a:srgbClr val="000000"/>
-              </a:buClr>
-              <a:buSzPct val="75000"/>
-              <a:buFont typeface="Symbol" charset="2"/>
-              <a:buChar char=""/>
-            </a:pPr>
-            <a:r>
-              <a:rPr b="0" lang="en-GB" sz="2800" spc="-1" strike="noStrike">
-                <a:latin typeface="Arial"/>
-              </a:rPr>
-              <a:t>Second Outline Level</a:t>
-            </a:r>
-            <a:endParaRPr b="0" lang="en-GB" sz="2800" spc="-1" strike="noStrike">
-              <a:latin typeface="Arial"/>
-            </a:endParaRPr>
-          </a:p>
-          <a:p>
-            <a:pPr lvl="2" marL="1296000" indent="-288000">
-              <a:spcBef>
-                <a:spcPts val="850"/>
-              </a:spcBef>
-              <a:buClr>
-                <a:srgbClr val="000000"/>
-              </a:buClr>
-              <a:buSzPct val="45000"/>
-              <a:buFont typeface="Wingdings" charset="2"/>
-              <a:buChar char=""/>
-            </a:pPr>
-            <a:r>
-              <a:rPr b="0" lang="en-GB" sz="2400" spc="-1" strike="noStrike">
-                <a:latin typeface="Arial"/>
-              </a:rPr>
-              <a:t>Third Outline Level</a:t>
-            </a:r>
-            <a:endParaRPr b="0" lang="en-GB" sz="2400" spc="-1" strike="noStrike">
-              <a:latin typeface="Arial"/>
-            </a:endParaRPr>
-          </a:p>
-          <a:p>
-            <a:pPr lvl="3" marL="1728000" indent="-216000">
-              <a:spcBef>
-                <a:spcPts val="567"/>
-              </a:spcBef>
-              <a:buClr>
-                <a:srgbClr val="000000"/>
-              </a:buClr>
-              <a:buSzPct val="75000"/>
-              <a:buFont typeface="Symbol" charset="2"/>
-              <a:buChar char=""/>
-            </a:pPr>
-            <a:r>
-              <a:rPr b="0" lang="en-GB" sz="2000" spc="-1" strike="noStrike">
-                <a:latin typeface="Arial"/>
-              </a:rPr>
-              <a:t>Fourth Outline Level</a:t>
-            </a:r>
-            <a:endParaRPr b="0" lang="en-GB" sz="2000" spc="-1" strike="noStrike">
-              <a:latin typeface="Arial"/>
-            </a:endParaRPr>
-          </a:p>
-          <a:p>
-            <a:pPr lvl="4" marL="2160000" indent="-216000">
-              <a:spcBef>
-                <a:spcPts val="283"/>
-              </a:spcBef>
-              <a:buClr>
-                <a:srgbClr val="000000"/>
-              </a:buClr>
-              <a:buSzPct val="45000"/>
-              <a:buFont typeface="Wingdings" charset="2"/>
-              <a:buChar char=""/>
-            </a:pPr>
-            <a:r>
-              <a:rPr b="0" lang="en-GB" sz="2000" spc="-1" strike="noStrike">
-                <a:latin typeface="Arial"/>
-              </a:rPr>
-              <a:t>Fifth Outline Level</a:t>
-            </a:r>
-            <a:endParaRPr b="0" lang="en-GB" sz="2000" spc="-1" strike="noStrike">
-              <a:latin typeface="Arial"/>
-            </a:endParaRPr>
-          </a:p>
-          <a:p>
-            <a:pPr lvl="5" marL="2592000" indent="-216000">
-              <a:spcBef>
-                <a:spcPts val="283"/>
-              </a:spcBef>
-              <a:buClr>
-                <a:srgbClr val="000000"/>
-              </a:buClr>
-              <a:buSzPct val="45000"/>
-              <a:buFont typeface="Wingdings" charset="2"/>
-              <a:buChar char=""/>
-            </a:pPr>
-            <a:r>
-              <a:rPr b="0" lang="en-GB" sz="2000" spc="-1" strike="noStrike">
-                <a:latin typeface="Arial"/>
-              </a:rPr>
-              <a:t>Sixth Outline Level</a:t>
-            </a:r>
-            <a:endParaRPr b="0" lang="en-GB" sz="2000" spc="-1" strike="noStrike">
-              <a:latin typeface="Arial"/>
-            </a:endParaRPr>
-          </a:p>
-          <a:p>
-            <a:pPr lvl="6" marL="3024000" indent="-216000">
-              <a:spcBef>
-                <a:spcPts val="283"/>
-              </a:spcBef>
-              <a:buClr>
-                <a:srgbClr val="000000"/>
-              </a:buClr>
-              <a:buSzPct val="45000"/>
-              <a:buFont typeface="Wingdings" charset="2"/>
-              <a:buChar char=""/>
-            </a:pPr>
-            <a:r>
-              <a:rPr b="0" lang="en-GB" sz="2000" spc="-1" strike="noStrike">
-                <a:latin typeface="Arial"/>
-              </a:rPr>
-              <a:t>Seventh Outline Level</a:t>
-            </a:r>
-            <a:endParaRPr b="0" lang="en-GB" sz="2000" spc="-1" strike="noStrike">
-              <a:latin typeface="Arial"/>
-            </a:endParaRPr>
-          </a:p>
-        </p:txBody>
-      </p:sp>
-      <p:sp>
-        <p:nvSpPr>
-          <p:cNvPr id="2" name="PlaceHolder 3"/>
-          <p:cNvSpPr>
-            <a:spLocks noGrp="1"/>
-          </p:cNvSpPr>
-          <p:nvPr>
-            <p:ph type="dt"/>
-          </p:nvPr>
-        </p:nvSpPr>
-        <p:spPr>
-          <a:xfrm>
-            <a:off x="504000" y="5165280"/>
-            <a:ext cx="2348280" cy="390600"/>
-          </a:xfrm>
-          <a:prstGeom prst="rect">
-            <a:avLst/>
-          </a:prstGeom>
-        </p:spPr>
-        <p:txBody>
-          <a:bodyPr lIns="0" rIns="0" tIns="0" bIns="0"/>
-          <a:p>
-            <a:r>
-              <a:rPr b="0" lang="en-GB" sz="1400" spc="-1" strike="noStrike">
-                <a:latin typeface="Times New Roman"/>
-              </a:rPr>
-              <a:t>&lt;date/time&gt;</a:t>
-            </a:r>
-            <a:endParaRPr b="0" lang="en-GB" sz="1400" spc="-1" strike="noStrike">
-              <a:latin typeface="Times New Roman"/>
-            </a:endParaRPr>
-          </a:p>
-        </p:txBody>
-      </p:sp>
-      <p:sp>
-        <p:nvSpPr>
-          <p:cNvPr id="3" name="PlaceHolder 4"/>
-          <p:cNvSpPr>
-            <a:spLocks noGrp="1"/>
-          </p:cNvSpPr>
-          <p:nvPr>
-            <p:ph type="ftr"/>
-          </p:nvPr>
-        </p:nvSpPr>
-        <p:spPr>
-          <a:xfrm>
-            <a:off x="3447360" y="5165280"/>
-            <a:ext cx="3195000" cy="390600"/>
-          </a:xfrm>
-          <a:prstGeom prst="rect">
-            <a:avLst/>
-          </a:prstGeom>
-        </p:spPr>
-        <p:txBody>
-          <a:bodyPr lIns="0" rIns="0" tIns="0" bIns="0"/>
-          <a:p>
-            <a:pPr algn="ctr"/>
-            <a:r>
-              <a:rPr b="0" lang="en-GB" sz="1400" spc="-1" strike="noStrike">
-                <a:latin typeface="Times New Roman"/>
-              </a:rPr>
-              <a:t>&lt;footer&gt;</a:t>
-            </a:r>
-            <a:endParaRPr b="0" lang="en-GB" sz="1400" spc="-1" strike="noStrike">
-              <a:latin typeface="Times New Roman"/>
-            </a:endParaRPr>
-          </a:p>
-        </p:txBody>
-      </p:sp>
-      <p:sp>
-        <p:nvSpPr>
-          <p:cNvPr id="4" name="PlaceHolder 5"/>
-          <p:cNvSpPr>
-            <a:spLocks noGrp="1"/>
-          </p:cNvSpPr>
-          <p:nvPr>
-            <p:ph type="sldNum"/>
-          </p:nvPr>
-        </p:nvSpPr>
-        <p:spPr>
-          <a:xfrm>
-            <a:off x="7227360" y="5165280"/>
-            <a:ext cx="2348280" cy="390600"/>
-          </a:xfrm>
-          <a:prstGeom prst="rect">
-            <a:avLst/>
-          </a:prstGeom>
-        </p:spPr>
-        <p:txBody>
-          <a:bodyPr lIns="0" rIns="0" tIns="0" bIns="0"/>
-          <a:p>
-            <a:pPr algn="r"/>
-            <a:fld id="{2E358EF8-6EC6-4109-8B9E-9E4B27A07DD8}" type="slidenum">
-              <a:rPr b="0" lang="en-GB" sz="1400" spc="-1" strike="noStrike">
-                <a:latin typeface="Times New Roman"/>
-              </a:rPr>
-              <a:t>&lt;number&gt;</a:t>
-            </a:fld>
-            <a:endParaRPr b="0" lang="en-GB" sz="1400" spc="-1" strike="noStrike">
-              <a:latin typeface="Times New Roman"/>
-            </a:endParaRPr>
-          </a:p>
-        </p:txBody>
-      </p:sp>
-    </p:spTree>
-  </p:cSld>
-  <p:clrMap bg1="lt1" bg2="lt2" tx1="dk1" tx2="dk2" accent1="accent1" accent2="accent2" accent3="accent3" accent4="accent4" accent5="accent5" accent6="accent6" hlink="hlink" folHlink="folHlink"/>
-  <p:sldLayoutIdLst>
-    <p:sldLayoutId id="2147483649" r:id="rId2"/>
-    <p:sldLayoutId id="2147483650" r:id="rId3"/>
-    <p:sldLayoutId id="2147483651" r:id="rId4"/>
-    <p:sldLayoutId id="2147483652" r:id="rId5"/>
-    <p:sldLayoutId id="2147483653" r:id="rId6"/>
-    <p:sldLayoutId id="2147483654" r:id="rId7"/>
-    <p:sldLayoutId id="2147483655" r:id="rId8"/>
-    <p:sldLayoutId id="2147483656" r:id="rId9"/>
-    <p:sldLayoutId id="2147483657" r:id="rId10"/>
-    <p:sldLayoutId id="2147483658" r:id="rId11"/>
-    <p:sldLayoutId id="2147483659" r:id="rId12"/>
-    <p:sldLayoutId id="2147483660" r:id="rId13"/>
-  </p:sldLayoutIdLst>
-</p:sldMaster>
-</file>
-
-<file path=ppt/slides/slide1.xml><?xml version="1.0" encoding="utf-8"?>
-<p:sld xmlns:a="http://schemas.openxmlformats.org/drawingml/2006/main" xmlns:p="http://schemas.openxmlformats.org/presentationml/2006/main" xmlns:r="http://schemas.openxmlformats.org/officeDocument/2006/relationships" xmlns:p14="http://schemas.microsoft.com/office/powerpoint/2010/main" xmlns:p15="http://schemas.microsoft.com/office/powerpoint/2012/main" xmlns:mc="http://schemas.openxmlformats.org/markup-compatibility/2006">
-  <p:cSld>
-    <p:spTree>
-      <p:nvGrpSpPr>
-        <p:cNvPr id="1" name=""/>
-        <p:cNvGrpSpPr/>
-        <p:nvPr/>
-      </p:nvGrpSpPr>
-      <p:grpSpPr>
-        <a:xfrm>
-          <a:off x="0" y="0"/>
-          <a:ext cx="0" cy="0"/>
-          <a:chOff x="0" y="0"/>
-          <a:chExt cx="0" cy="0"/>
-        </a:xfrm>
-      </p:grpSpPr>
-      <p:sp>
-        <p:nvSpPr>
           <p:cNvPr id="41" name="TextShape 1"/>
           <p:cNvSpPr txBox="1"/>
           <p:nvPr/>
@@ -1736,47 +2170,22 @@
           </a:ln>
         </p:spPr>
         <p:txBody>
-          <a:bodyPr lIns="0" rIns="0" tIns="0" bIns="0" anchor="ctr"/>
+          <a:bodyPr lIns="0" tIns="0" rIns="0" bIns="0" anchor="ctr"/>
+          <a:lstStyle/>
           <a:p>
             <a:pPr algn="ctr"/>
             <a:r>
-              <a:rPr b="0" lang="en-GB" sz="2400" spc="-1" strike="noStrike">
+              <a:rPr lang="en-GB" sz="2400" b="0" strike="noStrike" spc="-1" dirty="0">
                 <a:latin typeface="Adobe Garamond Pro"/>
               </a:rPr>
               <a:t>Learning To Identify Diseases From Healthy Medical Images </a:t>
             </a:r>
-            <a:endParaRPr b="0" lang="en-GB" sz="2400" spc="-1" strike="noStrike">
-              <a:latin typeface="Adobe Garamond Pro"/>
-            </a:endParaRPr>
           </a:p>
         </p:txBody>
       </p:sp>
       <p:pic>
         <p:nvPicPr>
-          <p:cNvPr id="42" name="" descr=""/>
-          <p:cNvPicPr/>
-          <p:nvPr/>
-        </p:nvPicPr>
-        <p:blipFill>
-          <a:blip r:embed="rId1"/>
-          <a:stretch/>
-        </p:blipFill>
-        <p:spPr>
-          <a:xfrm>
-            <a:off x="389520" y="2952000"/>
-            <a:ext cx="1410480" cy="648000"/>
-          </a:xfrm>
-          <a:prstGeom prst="rect">
-            <a:avLst/>
-          </a:prstGeom>
-          <a:ln>
-            <a:noFill/>
-          </a:ln>
-        </p:spPr>
-      </p:pic>
-      <p:pic>
-        <p:nvPicPr>
-          <p:cNvPr id="43" name="" descr=""/>
+          <p:cNvPr id="42" name="Picture 41"/>
           <p:cNvPicPr/>
           <p:nvPr/>
         </p:nvPicPr>
@@ -1786,8 +2195,8 @@
         </p:blipFill>
         <p:spPr>
           <a:xfrm>
-            <a:off x="1944000" y="2952000"/>
-            <a:ext cx="1440000" cy="720000"/>
+            <a:off x="389520" y="2952000"/>
+            <a:ext cx="1410480" cy="648000"/>
           </a:xfrm>
           <a:prstGeom prst="rect">
             <a:avLst/>
@@ -1799,7 +2208,7 @@
       </p:pic>
       <p:pic>
         <p:nvPicPr>
-          <p:cNvPr id="44" name="" descr=""/>
+          <p:cNvPr id="43" name="Picture 42"/>
           <p:cNvPicPr/>
           <p:nvPr/>
         </p:nvPicPr>
@@ -1809,7 +2218,7 @@
         </p:blipFill>
         <p:spPr>
           <a:xfrm>
-            <a:off x="360000" y="3672000"/>
+            <a:off x="1944000" y="2952000"/>
             <a:ext cx="1440000" cy="720000"/>
           </a:xfrm>
           <a:prstGeom prst="rect">
@@ -1822,7 +2231,7 @@
       </p:pic>
       <p:pic>
         <p:nvPicPr>
-          <p:cNvPr id="45" name="" descr=""/>
+          <p:cNvPr id="44" name="Picture 43"/>
           <p:cNvPicPr/>
           <p:nvPr/>
         </p:nvPicPr>
@@ -1832,8 +2241,8 @@
         </p:blipFill>
         <p:spPr>
           <a:xfrm>
-            <a:off x="360000" y="4516200"/>
-            <a:ext cx="1440000" cy="667800"/>
+            <a:off x="360000" y="3672000"/>
+            <a:ext cx="1440000" cy="720000"/>
           </a:xfrm>
           <a:prstGeom prst="rect">
             <a:avLst/>
@@ -1845,7 +2254,7 @@
       </p:pic>
       <p:pic>
         <p:nvPicPr>
-          <p:cNvPr id="46" name="" descr=""/>
+          <p:cNvPr id="45" name="Picture 44"/>
           <p:cNvPicPr/>
           <p:nvPr/>
         </p:nvPicPr>
@@ -1855,8 +2264,8 @@
         </p:blipFill>
         <p:spPr>
           <a:xfrm>
-            <a:off x="1927800" y="3730320"/>
-            <a:ext cx="1456200" cy="661680"/>
+            <a:off x="360000" y="4516200"/>
+            <a:ext cx="1440000" cy="667800"/>
           </a:xfrm>
           <a:prstGeom prst="rect">
             <a:avLst/>
@@ -1866,195 +2275,9 @@
           </a:ln>
         </p:spPr>
       </p:pic>
-      <p:sp>
-        <p:nvSpPr>
-          <p:cNvPr id="47" name="TextShape 2"/>
-          <p:cNvSpPr txBox="1"/>
-          <p:nvPr/>
-        </p:nvSpPr>
-        <p:spPr>
-          <a:xfrm>
-            <a:off x="720000" y="2592000"/>
-            <a:ext cx="2448000" cy="267120"/>
-          </a:xfrm>
-          <a:prstGeom prst="rect">
-            <a:avLst/>
-          </a:prstGeom>
-          <a:noFill/>
-          <a:ln>
-            <a:noFill/>
-          </a:ln>
-        </p:spPr>
-        <p:txBody>
-          <a:bodyPr lIns="90000" rIns="90000" tIns="45000" bIns="45000"/>
-          <a:p>
-            <a:r>
-              <a:rPr b="1" lang="en-GB" sz="1200" spc="-1" strike="noStrike">
-                <a:latin typeface="Adobe Garamond Pro"/>
-              </a:rPr>
-              <a:t>Variational Autoencoders (VAE)</a:t>
-            </a:r>
-            <a:endParaRPr b="0" lang="en-GB" sz="1200" spc="-1" strike="noStrike">
-              <a:latin typeface="Adobe Garamond Pro"/>
-            </a:endParaRPr>
-          </a:p>
-        </p:txBody>
-      </p:sp>
-      <p:sp>
-        <p:nvSpPr>
-          <p:cNvPr id="48" name="CustomShape 3"/>
-          <p:cNvSpPr/>
-          <p:nvPr/>
-        </p:nvSpPr>
-        <p:spPr>
-          <a:xfrm>
-            <a:off x="288000" y="2520000"/>
-            <a:ext cx="3312000" cy="2880000"/>
-          </a:xfrm>
-          <a:prstGeom prst="rect">
-            <a:avLst/>
-          </a:prstGeom>
-          <a:noFill/>
-          <a:ln>
-            <a:solidFill>
-              <a:srgbClr val="3465a4"/>
-            </a:solidFill>
-          </a:ln>
-        </p:spPr>
-        <p:style>
-          <a:lnRef idx="0"/>
-          <a:fillRef idx="0"/>
-          <a:effectRef idx="0"/>
-          <a:fontRef idx="minor"/>
-        </p:style>
-      </p:sp>
-      <p:sp>
-        <p:nvSpPr>
-          <p:cNvPr id="49" name="CustomShape 4"/>
-          <p:cNvSpPr/>
-          <p:nvPr/>
-        </p:nvSpPr>
-        <p:spPr>
-          <a:xfrm>
-            <a:off x="3672000" y="2520000"/>
-            <a:ext cx="2952000" cy="2880000"/>
-          </a:xfrm>
-          <a:prstGeom prst="rect">
-            <a:avLst/>
-          </a:prstGeom>
-          <a:noFill/>
-          <a:ln>
-            <a:solidFill>
-              <a:srgbClr val="3465a4"/>
-            </a:solidFill>
-          </a:ln>
-        </p:spPr>
-        <p:style>
-          <a:lnRef idx="0"/>
-          <a:fillRef idx="0"/>
-          <a:effectRef idx="0"/>
-          <a:fontRef idx="minor"/>
-        </p:style>
-      </p:sp>
-      <p:sp>
-        <p:nvSpPr>
-          <p:cNvPr id="50" name="TextShape 5"/>
-          <p:cNvSpPr txBox="1"/>
-          <p:nvPr/>
-        </p:nvSpPr>
-        <p:spPr>
-          <a:xfrm>
-            <a:off x="3672000" y="2540880"/>
-            <a:ext cx="3024000" cy="267120"/>
-          </a:xfrm>
-          <a:prstGeom prst="rect">
-            <a:avLst/>
-          </a:prstGeom>
-          <a:noFill/>
-          <a:ln>
-            <a:noFill/>
-          </a:ln>
-        </p:spPr>
-        <p:txBody>
-          <a:bodyPr lIns="90000" rIns="90000" tIns="45000" bIns="45000"/>
-          <a:p>
-            <a:r>
-              <a:rPr b="1" lang="en-GB" sz="1200" spc="-1" strike="noStrike">
-                <a:latin typeface="Adobe Garamond Pro"/>
-              </a:rPr>
-              <a:t>Generative Adversarial Networks (GANs)</a:t>
-            </a:r>
-            <a:endParaRPr b="0" lang="en-GB" sz="1200" spc="-1" strike="noStrike">
-              <a:latin typeface="Adobe Garamond Pro"/>
-            </a:endParaRPr>
-          </a:p>
-        </p:txBody>
-      </p:sp>
-      <p:sp>
-        <p:nvSpPr>
-          <p:cNvPr id="51" name="CustomShape 6"/>
-          <p:cNvSpPr/>
-          <p:nvPr/>
-        </p:nvSpPr>
-        <p:spPr>
-          <a:xfrm>
-            <a:off x="288000" y="864000"/>
-            <a:ext cx="3312000" cy="1584000"/>
-          </a:xfrm>
-          <a:prstGeom prst="rect">
-            <a:avLst/>
-          </a:prstGeom>
-          <a:noFill/>
-          <a:ln>
-            <a:solidFill>
-              <a:srgbClr val="3465a4"/>
-            </a:solidFill>
-          </a:ln>
-        </p:spPr>
-        <p:style>
-          <a:lnRef idx="0"/>
-          <a:fillRef idx="0"/>
-          <a:effectRef idx="0"/>
-          <a:fontRef idx="minor"/>
-        </p:style>
-      </p:sp>
-      <p:sp>
-        <p:nvSpPr>
-          <p:cNvPr id="52" name="TextShape 7"/>
-          <p:cNvSpPr txBox="1"/>
-          <p:nvPr/>
-        </p:nvSpPr>
-        <p:spPr>
-          <a:xfrm>
-            <a:off x="1224000" y="936000"/>
-            <a:ext cx="1152000" cy="267120"/>
-          </a:xfrm>
-          <a:prstGeom prst="rect">
-            <a:avLst/>
-          </a:prstGeom>
-          <a:noFill/>
-          <a:ln>
-            <a:noFill/>
-          </a:ln>
-        </p:spPr>
-        <p:txBody>
-          <a:bodyPr lIns="90000" rIns="90000" tIns="45000" bIns="45000"/>
-          <a:p>
-            <a:r>
-              <a:rPr b="1" lang="en-GB" sz="1200" spc="-1" strike="noStrike">
-                <a:latin typeface="Adobe Garamond Pro"/>
-              </a:rPr>
-              <a:t>Introduction</a:t>
-            </a:r>
-            <a:endParaRPr b="0" lang="en-GB" sz="1200" spc="-1" strike="noStrike">
-              <a:latin typeface="Adobe Garamond Pro"/>
-            </a:endParaRPr>
-          </a:p>
-        </p:txBody>
-      </p:sp>
       <p:pic>
         <p:nvPicPr>
-          <p:cNvPr id="53" name="" descr=""/>
+          <p:cNvPr id="46" name="Picture 45"/>
           <p:cNvPicPr/>
           <p:nvPr/>
         </p:nvPicPr>
@@ -2064,8 +2287,8 @@
         </p:blipFill>
         <p:spPr>
           <a:xfrm>
-            <a:off x="6840000" y="2945880"/>
-            <a:ext cx="1160640" cy="1158120"/>
+            <a:off x="1927800" y="3730320"/>
+            <a:ext cx="1456200" cy="661680"/>
           </a:xfrm>
           <a:prstGeom prst="rect">
             <a:avLst/>
@@ -2077,14 +2300,49 @@
       </p:pic>
       <p:sp>
         <p:nvSpPr>
-          <p:cNvPr id="54" name="CustomShape 8"/>
+          <p:cNvPr id="47" name="TextShape 2"/>
+          <p:cNvSpPr txBox="1"/>
+          <p:nvPr/>
+        </p:nvSpPr>
+        <p:spPr>
+          <a:xfrm>
+            <a:off x="720000" y="2592000"/>
+            <a:ext cx="2448000" cy="267120"/>
+          </a:xfrm>
+          <a:prstGeom prst="rect">
+            <a:avLst/>
+          </a:prstGeom>
+          <a:noFill/>
+          <a:ln>
+            <a:noFill/>
+          </a:ln>
+        </p:spPr>
+        <p:txBody>
+          <a:bodyPr lIns="90000" tIns="45000" rIns="90000" bIns="45000"/>
+          <a:lstStyle/>
+          <a:p>
+            <a:r>
+              <a:rPr lang="en-GB" sz="1200" b="1" strike="noStrike" spc="-1" dirty="0">
+                <a:latin typeface="Adobe Garamond Pro"/>
+              </a:rPr>
+              <a:t>Variational Autoencoders (VAE)</a:t>
+            </a:r>
+            <a:endParaRPr lang="en-GB" sz="1200" b="0" strike="noStrike" spc="-1" dirty="0">
+              <a:latin typeface="Adobe Garamond Pro"/>
+            </a:endParaRPr>
+          </a:p>
+        </p:txBody>
+      </p:sp>
+      <p:sp>
+        <p:nvSpPr>
+          <p:cNvPr id="48" name="CustomShape 3"/>
           <p:cNvSpPr/>
           <p:nvPr/>
         </p:nvSpPr>
         <p:spPr>
           <a:xfrm>
-            <a:off x="6696000" y="2520000"/>
-            <a:ext cx="2952000" cy="2880000"/>
+            <a:off x="288000" y="2520000"/>
+            <a:ext cx="3312000" cy="2880000"/>
           </a:xfrm>
           <a:prstGeom prst="rect">
             <a:avLst/>
@@ -2092,20 +2350,164 @@
           <a:noFill/>
           <a:ln>
             <a:solidFill>
-              <a:srgbClr val="3465a4"/>
+              <a:srgbClr val="3465A4"/>
             </a:solidFill>
           </a:ln>
         </p:spPr>
         <p:style>
-          <a:lnRef idx="0"/>
-          <a:fillRef idx="0"/>
-          <a:effectRef idx="0"/>
+          <a:lnRef idx="0">
+            <a:scrgbClr r="0" g="0" b="0"/>
+          </a:lnRef>
+          <a:fillRef idx="0">
+            <a:scrgbClr r="0" g="0" b="0"/>
+          </a:fillRef>
+          <a:effectRef idx="0">
+            <a:scrgbClr r="0" g="0" b="0"/>
+          </a:effectRef>
           <a:fontRef idx="minor"/>
         </p:style>
       </p:sp>
+      <p:sp>
+        <p:nvSpPr>
+          <p:cNvPr id="49" name="CustomShape 4"/>
+          <p:cNvSpPr/>
+          <p:nvPr/>
+        </p:nvSpPr>
+        <p:spPr>
+          <a:xfrm>
+            <a:off x="3672000" y="2520000"/>
+            <a:ext cx="2952000" cy="2880000"/>
+          </a:xfrm>
+          <a:prstGeom prst="rect">
+            <a:avLst/>
+          </a:prstGeom>
+          <a:noFill/>
+          <a:ln>
+            <a:solidFill>
+              <a:srgbClr val="3465A4"/>
+            </a:solidFill>
+          </a:ln>
+        </p:spPr>
+        <p:style>
+          <a:lnRef idx="0">
+            <a:scrgbClr r="0" g="0" b="0"/>
+          </a:lnRef>
+          <a:fillRef idx="0">
+            <a:scrgbClr r="0" g="0" b="0"/>
+          </a:fillRef>
+          <a:effectRef idx="0">
+            <a:scrgbClr r="0" g="0" b="0"/>
+          </a:effectRef>
+          <a:fontRef idx="minor"/>
+        </p:style>
+      </p:sp>
+      <p:sp>
+        <p:nvSpPr>
+          <p:cNvPr id="50" name="TextShape 5"/>
+          <p:cNvSpPr txBox="1"/>
+          <p:nvPr/>
+        </p:nvSpPr>
+        <p:spPr>
+          <a:xfrm>
+            <a:off x="3672000" y="2540880"/>
+            <a:ext cx="3024000" cy="267120"/>
+          </a:xfrm>
+          <a:prstGeom prst="rect">
+            <a:avLst/>
+          </a:prstGeom>
+          <a:noFill/>
+          <a:ln>
+            <a:noFill/>
+          </a:ln>
+        </p:spPr>
+        <p:txBody>
+          <a:bodyPr lIns="90000" tIns="45000" rIns="90000" bIns="45000"/>
+          <a:lstStyle/>
+          <a:p>
+            <a:r>
+              <a:rPr lang="en-GB" sz="1200" b="1" strike="noStrike" spc="-1" dirty="0">
+                <a:latin typeface="Adobe Garamond Pro"/>
+              </a:rPr>
+              <a:t>Generative Adversarial Networks (GANs)</a:t>
+            </a:r>
+            <a:endParaRPr lang="en-GB" sz="1200" b="0" strike="noStrike" spc="-1" dirty="0">
+              <a:latin typeface="Adobe Garamond Pro"/>
+            </a:endParaRPr>
+          </a:p>
+        </p:txBody>
+      </p:sp>
+      <p:sp>
+        <p:nvSpPr>
+          <p:cNvPr id="51" name="CustomShape 6"/>
+          <p:cNvSpPr/>
+          <p:nvPr/>
+        </p:nvSpPr>
+        <p:spPr>
+          <a:xfrm>
+            <a:off x="288000" y="864000"/>
+            <a:ext cx="3312000" cy="1584000"/>
+          </a:xfrm>
+          <a:prstGeom prst="rect">
+            <a:avLst/>
+          </a:prstGeom>
+          <a:noFill/>
+          <a:ln>
+            <a:solidFill>
+              <a:srgbClr val="3465A4"/>
+            </a:solidFill>
+          </a:ln>
+        </p:spPr>
+        <p:style>
+          <a:lnRef idx="0">
+            <a:scrgbClr r="0" g="0" b="0"/>
+          </a:lnRef>
+          <a:fillRef idx="0">
+            <a:scrgbClr r="0" g="0" b="0"/>
+          </a:fillRef>
+          <a:effectRef idx="0">
+            <a:scrgbClr r="0" g="0" b="0"/>
+          </a:effectRef>
+          <a:fontRef idx="minor"/>
+        </p:style>
+      </p:sp>
+      <p:sp>
+        <p:nvSpPr>
+          <p:cNvPr id="52" name="TextShape 7"/>
+          <p:cNvSpPr txBox="1"/>
+          <p:nvPr/>
+        </p:nvSpPr>
+        <p:spPr>
+          <a:xfrm>
+            <a:off x="1224000" y="936000"/>
+            <a:ext cx="1152000" cy="267120"/>
+          </a:xfrm>
+          <a:prstGeom prst="rect">
+            <a:avLst/>
+          </a:prstGeom>
+          <a:noFill/>
+          <a:ln>
+            <a:noFill/>
+          </a:ln>
+        </p:spPr>
+        <p:txBody>
+          <a:bodyPr lIns="90000" tIns="45000" rIns="90000" bIns="45000"/>
+          <a:lstStyle/>
+          <a:p>
+            <a:r>
+              <a:rPr lang="en-GB" sz="1200" b="1" strike="noStrike" spc="-1" dirty="0">
+                <a:latin typeface="Adobe Garamond Pro"/>
+              </a:rPr>
+              <a:t>Introduction</a:t>
+            </a:r>
+            <a:endParaRPr lang="en-GB" sz="1200" b="0" strike="noStrike" spc="-1" dirty="0">
+              <a:latin typeface="Adobe Garamond Pro"/>
+            </a:endParaRPr>
+          </a:p>
+        </p:txBody>
+      </p:sp>
       <p:pic>
         <p:nvPicPr>
-          <p:cNvPr id="55" name="" descr=""/>
+          <p:cNvPr id="53" name="Picture 52"/>
           <p:cNvPicPr/>
           <p:nvPr/>
         </p:nvPicPr>
@@ -2115,8 +2517,8 @@
         </p:blipFill>
         <p:spPr>
           <a:xfrm>
-            <a:off x="8136000" y="2952000"/>
-            <a:ext cx="1166760" cy="1164240"/>
+            <a:off x="6840000" y="2945880"/>
+            <a:ext cx="1160640" cy="1158120"/>
           </a:xfrm>
           <a:prstGeom prst="rect">
             <a:avLst/>
@@ -2126,14 +2528,71 @@
           </a:ln>
         </p:spPr>
       </p:pic>
+      <p:sp>
+        <p:nvSpPr>
+          <p:cNvPr id="54" name="CustomShape 8"/>
+          <p:cNvSpPr/>
+          <p:nvPr/>
+        </p:nvSpPr>
+        <p:spPr>
+          <a:xfrm>
+            <a:off x="6696000" y="2520000"/>
+            <a:ext cx="2952000" cy="2880000"/>
+          </a:xfrm>
+          <a:prstGeom prst="rect">
+            <a:avLst/>
+          </a:prstGeom>
+          <a:noFill/>
+          <a:ln>
+            <a:solidFill>
+              <a:srgbClr val="3465A4"/>
+            </a:solidFill>
+          </a:ln>
+        </p:spPr>
+        <p:style>
+          <a:lnRef idx="0">
+            <a:scrgbClr r="0" g="0" b="0"/>
+          </a:lnRef>
+          <a:fillRef idx="0">
+            <a:scrgbClr r="0" g="0" b="0"/>
+          </a:fillRef>
+          <a:effectRef idx="0">
+            <a:scrgbClr r="0" g="0" b="0"/>
+          </a:effectRef>
+          <a:fontRef idx="minor"/>
+        </p:style>
+      </p:sp>
       <p:pic>
         <p:nvPicPr>
-          <p:cNvPr id="56" name="" descr=""/>
+          <p:cNvPr id="55" name="Picture 54"/>
           <p:cNvPicPr/>
           <p:nvPr/>
         </p:nvPicPr>
         <p:blipFill>
           <a:blip r:embed="rId8"/>
+          <a:stretch/>
+        </p:blipFill>
+        <p:spPr>
+          <a:xfrm>
+            <a:off x="8136000" y="2952000"/>
+            <a:ext cx="1166760" cy="1164240"/>
+          </a:xfrm>
+          <a:prstGeom prst="rect">
+            <a:avLst/>
+          </a:prstGeom>
+          <a:ln>
+            <a:noFill/>
+          </a:ln>
+        </p:spPr>
+      </p:pic>
+      <p:pic>
+        <p:nvPicPr>
+          <p:cNvPr id="56" name="Picture 55"/>
+          <p:cNvPicPr/>
+          <p:nvPr/>
+        </p:nvPicPr>
+        <p:blipFill>
+          <a:blip r:embed="rId9"/>
           <a:stretch/>
         </p:blipFill>
         <p:spPr>
@@ -2165,12 +2624,12 @@
         </p:grpSpPr>
         <p:pic>
           <p:nvPicPr>
-            <p:cNvPr id="58" name="" descr=""/>
+            <p:cNvPr id="58" name="Picture 57"/>
             <p:cNvPicPr/>
             <p:nvPr/>
           </p:nvPicPr>
           <p:blipFill>
-            <a:blip r:embed="rId9"/>
+            <a:blip r:embed="rId10"/>
             <a:stretch/>
           </p:blipFill>
           <p:spPr>
@@ -2188,12 +2647,12 @@
         </p:pic>
         <p:pic>
           <p:nvPicPr>
-            <p:cNvPr id="59" name="" descr=""/>
+            <p:cNvPr id="59" name="Picture 58"/>
             <p:cNvPicPr/>
             <p:nvPr/>
           </p:nvPicPr>
           <p:blipFill>
-            <a:blip r:embed="rId10"/>
+            <a:blip r:embed="rId11"/>
             <a:stretch/>
           </p:blipFill>
           <p:spPr>
@@ -2211,7 +2670,7 @@
         </p:pic>
         <p:pic>
           <p:nvPicPr>
-            <p:cNvPr id="60" name="" descr=""/>
+            <p:cNvPr id="60" name="Picture 59"/>
             <p:cNvPicPr/>
             <p:nvPr/>
           </p:nvPicPr>
@@ -2234,12 +2693,12 @@
         </p:pic>
         <p:pic>
           <p:nvPicPr>
-            <p:cNvPr id="61" name="" descr=""/>
+            <p:cNvPr id="61" name="Picture 60"/>
             <p:cNvPicPr/>
             <p:nvPr/>
           </p:nvPicPr>
           <p:blipFill>
-            <a:blip r:embed="rId12"/>
+            <a:blip r:embed="rId11"/>
             <a:stretch/>
           </p:blipFill>
           <p:spPr>
@@ -2257,12 +2716,12 @@
         </p:pic>
         <p:pic>
           <p:nvPicPr>
-            <p:cNvPr id="62" name="" descr=""/>
+            <p:cNvPr id="62" name="Picture 61"/>
             <p:cNvPicPr/>
             <p:nvPr/>
           </p:nvPicPr>
           <p:blipFill>
-            <a:blip r:embed="rId13"/>
+            <a:blip r:embed="rId12"/>
             <a:stretch/>
           </p:blipFill>
           <p:spPr>
@@ -2299,17 +2758,15 @@
           </a:ln>
         </p:spPr>
         <p:txBody>
-          <a:bodyPr lIns="90000" rIns="90000" tIns="45000" bIns="45000"/>
+          <a:bodyPr lIns="90000" tIns="45000" rIns="90000" bIns="45000"/>
+          <a:lstStyle/>
           <a:p>
             <a:r>
-              <a:rPr b="0" lang="en-GB" sz="1200" spc="-1" strike="noStrike">
+              <a:rPr lang="en-GB" sz="1200" b="0" strike="noStrike" spc="-1" dirty="0">
                 <a:latin typeface="Adobe Garamond Pro"/>
               </a:rPr>
               <a:t>Actual</a:t>
             </a:r>
-            <a:endParaRPr b="0" lang="en-GB" sz="1200" spc="-1" strike="noStrike">
-              <a:latin typeface="Adobe Garamond Pro"/>
-            </a:endParaRPr>
           </a:p>
         </p:txBody>
       </p:sp>
@@ -2333,17 +2790,15 @@
           </a:ln>
         </p:spPr>
         <p:txBody>
-          <a:bodyPr lIns="90000" rIns="90000" tIns="45000" bIns="45000"/>
+          <a:bodyPr lIns="90000" tIns="45000" rIns="90000" bIns="45000"/>
+          <a:lstStyle/>
           <a:p>
             <a:r>
-              <a:rPr b="0" lang="en-GB" sz="1200" spc="-1" strike="noStrike">
+              <a:rPr lang="en-GB" sz="1200" b="0" strike="noStrike" spc="-1" dirty="0">
                 <a:latin typeface="Adobe Garamond Pro"/>
               </a:rPr>
               <a:t>Generated</a:t>
             </a:r>
-            <a:endParaRPr b="0" lang="en-GB" sz="1200" spc="-1" strike="noStrike">
-              <a:latin typeface="Adobe Garamond Pro"/>
-            </a:endParaRPr>
           </a:p>
         </p:txBody>
       </p:sp>
@@ -2355,429 +2810,579 @@
         </p:nvGraphicFramePr>
         <p:xfrm>
           <a:off x="6840000" y="4276440"/>
-          <a:ext cx="2431800" cy="1049400"/>
+          <a:ext cx="2432160" cy="1097280"/>
         </p:xfrm>
         <a:graphic>
           <a:graphicData uri="http://schemas.openxmlformats.org/drawingml/2006/table">
             <a:tbl>
               <a:tblPr/>
               <a:tblGrid>
-                <a:gridCol w="458640"/>
-                <a:gridCol w="458640"/>
-                <a:gridCol w="458640"/>
-                <a:gridCol w="458640"/>
-                <a:gridCol w="597600"/>
+                <a:gridCol w="458640">
+                  <a:extLst>
+                    <a:ext uri="{9D8B030D-6E8A-4147-A177-3AD203B41FA5}">
+                      <a16:colId xmlns:a16="http://schemas.microsoft.com/office/drawing/2014/main" val="20000"/>
+                    </a:ext>
+                  </a:extLst>
+                </a:gridCol>
+                <a:gridCol w="458640">
+                  <a:extLst>
+                    <a:ext uri="{9D8B030D-6E8A-4147-A177-3AD203B41FA5}">
+                      <a16:colId xmlns:a16="http://schemas.microsoft.com/office/drawing/2014/main" val="20001"/>
+                    </a:ext>
+                  </a:extLst>
+                </a:gridCol>
+                <a:gridCol w="458640">
+                  <a:extLst>
+                    <a:ext uri="{9D8B030D-6E8A-4147-A177-3AD203B41FA5}">
+                      <a16:colId xmlns:a16="http://schemas.microsoft.com/office/drawing/2014/main" val="20002"/>
+                    </a:ext>
+                  </a:extLst>
+                </a:gridCol>
+                <a:gridCol w="458640">
+                  <a:extLst>
+                    <a:ext uri="{9D8B030D-6E8A-4147-A177-3AD203B41FA5}">
+                      <a16:colId xmlns:a16="http://schemas.microsoft.com/office/drawing/2014/main" val="20003"/>
+                    </a:ext>
+                  </a:extLst>
+                </a:gridCol>
+                <a:gridCol w="597600">
+                  <a:extLst>
+                    <a:ext uri="{9D8B030D-6E8A-4147-A177-3AD203B41FA5}">
+                      <a16:colId xmlns:a16="http://schemas.microsoft.com/office/drawing/2014/main" val="20004"/>
+                    </a:ext>
+                  </a:extLst>
+                </a:gridCol>
               </a:tblGrid>
               <a:tr h="349920">
                 <a:tc>
+                  <a:txBody>
+                    <a:bodyPr/>
+                    <a:lstStyle/>
+                    <a:p>
+                      <a:endParaRPr lang="en-US" dirty="0"/>
+                    </a:p>
+                  </a:txBody>
                   <a:tcPr marL="90000" marR="90000">
                     <a:lnL w="720">
                       <a:solidFill>
-                        <a:srgbClr val="ffffff"/>
+                        <a:srgbClr val="FFFFFF"/>
                       </a:solidFill>
                     </a:lnL>
                     <a:lnR w="720">
                       <a:solidFill>
-                        <a:srgbClr val="ffffff"/>
+                        <a:srgbClr val="FFFFFF"/>
                       </a:solidFill>
                     </a:lnR>
                     <a:lnT w="720">
                       <a:solidFill>
-                        <a:srgbClr val="ffffff"/>
+                        <a:srgbClr val="FFFFFF"/>
                       </a:solidFill>
                     </a:lnT>
                     <a:lnB w="720">
                       <a:solidFill>
-                        <a:srgbClr val="ffffff"/>
+                        <a:srgbClr val="FFFFFF"/>
                       </a:solidFill>
                     </a:lnB>
                     <a:solidFill>
-                      <a:srgbClr val="b3b3b3"/>
+                      <a:srgbClr val="B3B3B3"/>
                     </a:solidFill>
                   </a:tcPr>
                 </a:tc>
                 <a:tc>
+                  <a:txBody>
+                    <a:bodyPr/>
+                    <a:lstStyle/>
+                    <a:p>
+                      <a:endParaRPr lang="en-US" dirty="0"/>
+                    </a:p>
+                  </a:txBody>
                   <a:tcPr marL="90000" marR="90000">
                     <a:lnL w="720">
                       <a:solidFill>
-                        <a:srgbClr val="ffffff"/>
+                        <a:srgbClr val="FFFFFF"/>
                       </a:solidFill>
                     </a:lnL>
                     <a:lnR w="720">
                       <a:solidFill>
-                        <a:srgbClr val="ffffff"/>
+                        <a:srgbClr val="FFFFFF"/>
                       </a:solidFill>
                     </a:lnR>
                     <a:lnT w="720">
                       <a:solidFill>
-                        <a:srgbClr val="ffffff"/>
+                        <a:srgbClr val="FFFFFF"/>
                       </a:solidFill>
                     </a:lnT>
                     <a:lnB w="720">
                       <a:solidFill>
-                        <a:srgbClr val="ffffff"/>
+                        <a:srgbClr val="FFFFFF"/>
                       </a:solidFill>
                     </a:lnB>
                     <a:solidFill>
-                      <a:srgbClr val="b3b3b3"/>
+                      <a:srgbClr val="B3B3B3"/>
                     </a:solidFill>
                   </a:tcPr>
                 </a:tc>
                 <a:tc>
+                  <a:txBody>
+                    <a:bodyPr/>
+                    <a:lstStyle/>
+                    <a:p>
+                      <a:endParaRPr lang="en-US" dirty="0"/>
+                    </a:p>
+                  </a:txBody>
                   <a:tcPr marL="90000" marR="90000">
                     <a:lnL w="720">
                       <a:solidFill>
-                        <a:srgbClr val="ffffff"/>
+                        <a:srgbClr val="FFFFFF"/>
                       </a:solidFill>
                     </a:lnL>
                     <a:lnR w="720">
                       <a:solidFill>
-                        <a:srgbClr val="ffffff"/>
+                        <a:srgbClr val="FFFFFF"/>
                       </a:solidFill>
                     </a:lnR>
                     <a:lnT w="720">
                       <a:solidFill>
-                        <a:srgbClr val="ffffff"/>
+                        <a:srgbClr val="FFFFFF"/>
                       </a:solidFill>
                     </a:lnT>
                     <a:lnB w="720">
                       <a:solidFill>
-                        <a:srgbClr val="ffffff"/>
+                        <a:srgbClr val="FFFFFF"/>
                       </a:solidFill>
                     </a:lnB>
                     <a:solidFill>
-                      <a:srgbClr val="b3b3b3"/>
+                      <a:srgbClr val="B3B3B3"/>
                     </a:solidFill>
                   </a:tcPr>
                 </a:tc>
                 <a:tc>
+                  <a:txBody>
+                    <a:bodyPr/>
+                    <a:lstStyle/>
+                    <a:p>
+                      <a:endParaRPr lang="en-US" dirty="0"/>
+                    </a:p>
+                  </a:txBody>
                   <a:tcPr marL="90000" marR="90000">
                     <a:lnL w="720">
                       <a:solidFill>
-                        <a:srgbClr val="ffffff"/>
+                        <a:srgbClr val="FFFFFF"/>
                       </a:solidFill>
                     </a:lnL>
                     <a:lnR w="720">
                       <a:solidFill>
-                        <a:srgbClr val="ffffff"/>
+                        <a:srgbClr val="FFFFFF"/>
                       </a:solidFill>
                     </a:lnR>
                     <a:lnT w="720">
                       <a:solidFill>
-                        <a:srgbClr val="ffffff"/>
+                        <a:srgbClr val="FFFFFF"/>
                       </a:solidFill>
                     </a:lnT>
                     <a:lnB w="720">
                       <a:solidFill>
-                        <a:srgbClr val="ffffff"/>
+                        <a:srgbClr val="FFFFFF"/>
                       </a:solidFill>
                     </a:lnB>
                     <a:solidFill>
-                      <a:srgbClr val="b3b3b3"/>
+                      <a:srgbClr val="B3B3B3"/>
                     </a:solidFill>
                   </a:tcPr>
                 </a:tc>
                 <a:tc>
+                  <a:txBody>
+                    <a:bodyPr/>
+                    <a:lstStyle/>
+                    <a:p>
+                      <a:endParaRPr lang="en-US" dirty="0"/>
+                    </a:p>
+                  </a:txBody>
                   <a:tcPr marL="90000" marR="90000">
                     <a:lnL w="720">
                       <a:solidFill>
-                        <a:srgbClr val="ffffff"/>
+                        <a:srgbClr val="FFFFFF"/>
                       </a:solidFill>
                     </a:lnL>
                     <a:lnR w="720">
                       <a:solidFill>
-                        <a:srgbClr val="ffffff"/>
+                        <a:srgbClr val="FFFFFF"/>
                       </a:solidFill>
                     </a:lnR>
                     <a:lnT w="720">
                       <a:solidFill>
-                        <a:srgbClr val="ffffff"/>
+                        <a:srgbClr val="FFFFFF"/>
                       </a:solidFill>
                     </a:lnT>
                     <a:lnB w="720">
                       <a:solidFill>
-                        <a:srgbClr val="ffffff"/>
+                        <a:srgbClr val="FFFFFF"/>
                       </a:solidFill>
                     </a:lnB>
                     <a:solidFill>
-                      <a:srgbClr val="b3b3b3"/>
+                      <a:srgbClr val="B3B3B3"/>
                     </a:solidFill>
                   </a:tcPr>
                 </a:tc>
+                <a:extLst>
+                  <a:ext uri="{0D108BD9-81ED-4DB2-BD59-A6C34878D82A}">
+                    <a16:rowId xmlns:a16="http://schemas.microsoft.com/office/drawing/2014/main" val="10000"/>
+                  </a:ext>
+                </a:extLst>
               </a:tr>
               <a:tr h="349920">
                 <a:tc>
+                  <a:txBody>
+                    <a:bodyPr/>
+                    <a:lstStyle/>
+                    <a:p>
+                      <a:endParaRPr lang="en-US" dirty="0"/>
+                    </a:p>
+                  </a:txBody>
                   <a:tcPr marL="90000" marR="90000">
                     <a:lnL w="720">
                       <a:solidFill>
-                        <a:srgbClr val="ffffff"/>
+                        <a:srgbClr val="FFFFFF"/>
                       </a:solidFill>
                     </a:lnL>
                     <a:lnR w="720">
                       <a:solidFill>
-                        <a:srgbClr val="ffffff"/>
+                        <a:srgbClr val="FFFFFF"/>
                       </a:solidFill>
                     </a:lnR>
                     <a:lnT w="720">
                       <a:solidFill>
-                        <a:srgbClr val="ffffff"/>
+                        <a:srgbClr val="FFFFFF"/>
                       </a:solidFill>
                     </a:lnT>
                     <a:lnB w="720">
                       <a:solidFill>
-                        <a:srgbClr val="ffffff"/>
+                        <a:srgbClr val="FFFFFF"/>
                       </a:solidFill>
                     </a:lnB>
                     <a:solidFill>
-                      <a:srgbClr val="cccccc"/>
+                      <a:srgbClr val="CCCCCC"/>
                     </a:solidFill>
                   </a:tcPr>
                 </a:tc>
                 <a:tc>
+                  <a:txBody>
+                    <a:bodyPr/>
+                    <a:lstStyle/>
+                    <a:p>
+                      <a:endParaRPr lang="en-US" dirty="0"/>
+                    </a:p>
+                  </a:txBody>
                   <a:tcPr marL="90000" marR="90000">
                     <a:lnL w="720">
                       <a:solidFill>
-                        <a:srgbClr val="ffffff"/>
+                        <a:srgbClr val="FFFFFF"/>
                       </a:solidFill>
                     </a:lnL>
                     <a:lnR w="720">
                       <a:solidFill>
-                        <a:srgbClr val="ffffff"/>
+                        <a:srgbClr val="FFFFFF"/>
                       </a:solidFill>
                     </a:lnR>
                     <a:lnT w="720">
                       <a:solidFill>
-                        <a:srgbClr val="ffffff"/>
+                        <a:srgbClr val="FFFFFF"/>
                       </a:solidFill>
                     </a:lnT>
                     <a:lnB w="720">
                       <a:solidFill>
-                        <a:srgbClr val="ffffff"/>
+                        <a:srgbClr val="FFFFFF"/>
                       </a:solidFill>
                     </a:lnB>
                     <a:solidFill>
-                      <a:srgbClr val="cccccc"/>
+                      <a:srgbClr val="CCCCCC"/>
                     </a:solidFill>
                   </a:tcPr>
                 </a:tc>
                 <a:tc>
+                  <a:txBody>
+                    <a:bodyPr/>
+                    <a:lstStyle/>
+                    <a:p>
+                      <a:endParaRPr lang="en-US" dirty="0"/>
+                    </a:p>
+                  </a:txBody>
                   <a:tcPr marL="90000" marR="90000">
                     <a:lnL w="720">
                       <a:solidFill>
-                        <a:srgbClr val="ffffff"/>
+                        <a:srgbClr val="FFFFFF"/>
                       </a:solidFill>
                     </a:lnL>
                     <a:lnR w="720">
                       <a:solidFill>
-                        <a:srgbClr val="ffffff"/>
+                        <a:srgbClr val="FFFFFF"/>
                       </a:solidFill>
                     </a:lnR>
                     <a:lnT w="720">
                       <a:solidFill>
-                        <a:srgbClr val="ffffff"/>
+                        <a:srgbClr val="FFFFFF"/>
                       </a:solidFill>
                     </a:lnT>
                     <a:lnB w="720">
                       <a:solidFill>
-                        <a:srgbClr val="ffffff"/>
+                        <a:srgbClr val="FFFFFF"/>
                       </a:solidFill>
                     </a:lnB>
                     <a:solidFill>
-                      <a:srgbClr val="cccccc"/>
+                      <a:srgbClr val="CCCCCC"/>
                     </a:solidFill>
                   </a:tcPr>
                 </a:tc>
                 <a:tc>
+                  <a:txBody>
+                    <a:bodyPr/>
+                    <a:lstStyle/>
+                    <a:p>
+                      <a:endParaRPr lang="en-US" dirty="0"/>
+                    </a:p>
+                  </a:txBody>
                   <a:tcPr marL="90000" marR="90000">
                     <a:lnL w="720">
                       <a:solidFill>
-                        <a:srgbClr val="ffffff"/>
+                        <a:srgbClr val="FFFFFF"/>
                       </a:solidFill>
                     </a:lnL>
                     <a:lnR w="720">
                       <a:solidFill>
-                        <a:srgbClr val="ffffff"/>
+                        <a:srgbClr val="FFFFFF"/>
                       </a:solidFill>
                     </a:lnR>
                     <a:lnT w="720">
                       <a:solidFill>
-                        <a:srgbClr val="ffffff"/>
+                        <a:srgbClr val="FFFFFF"/>
                       </a:solidFill>
                     </a:lnT>
                     <a:lnB w="720">
                       <a:solidFill>
-                        <a:srgbClr val="ffffff"/>
+                        <a:srgbClr val="FFFFFF"/>
                       </a:solidFill>
                     </a:lnB>
                     <a:solidFill>
-                      <a:srgbClr val="cccccc"/>
+                      <a:srgbClr val="CCCCCC"/>
                     </a:solidFill>
                   </a:tcPr>
                 </a:tc>
                 <a:tc>
+                  <a:txBody>
+                    <a:bodyPr/>
+                    <a:lstStyle/>
+                    <a:p>
+                      <a:endParaRPr lang="en-US" dirty="0"/>
+                    </a:p>
+                  </a:txBody>
                   <a:tcPr marL="90000" marR="90000">
                     <a:lnL w="720">
                       <a:solidFill>
-                        <a:srgbClr val="ffffff"/>
+                        <a:srgbClr val="FFFFFF"/>
                       </a:solidFill>
                     </a:lnL>
                     <a:lnR w="720">
                       <a:solidFill>
-                        <a:srgbClr val="ffffff"/>
+                        <a:srgbClr val="FFFFFF"/>
                       </a:solidFill>
                     </a:lnR>
                     <a:lnT w="720">
                       <a:solidFill>
-                        <a:srgbClr val="ffffff"/>
+                        <a:srgbClr val="FFFFFF"/>
                       </a:solidFill>
                     </a:lnT>
                     <a:lnB w="720">
                       <a:solidFill>
-                        <a:srgbClr val="ffffff"/>
+                        <a:srgbClr val="FFFFFF"/>
                       </a:solidFill>
                     </a:lnB>
                     <a:solidFill>
-                      <a:srgbClr val="cccccc"/>
+                      <a:srgbClr val="CCCCCC"/>
                     </a:solidFill>
                   </a:tcPr>
                 </a:tc>
+                <a:extLst>
+                  <a:ext uri="{0D108BD9-81ED-4DB2-BD59-A6C34878D82A}">
+                    <a16:rowId xmlns:a16="http://schemas.microsoft.com/office/drawing/2014/main" val="10001"/>
+                  </a:ext>
+                </a:extLst>
               </a:tr>
               <a:tr h="349920">
                 <a:tc>
+                  <a:txBody>
+                    <a:bodyPr/>
+                    <a:lstStyle/>
+                    <a:p>
+                      <a:endParaRPr lang="en-US" dirty="0"/>
+                    </a:p>
+                  </a:txBody>
                   <a:tcPr marL="90000" marR="90000">
                     <a:lnL w="720">
                       <a:solidFill>
-                        <a:srgbClr val="ffffff"/>
+                        <a:srgbClr val="FFFFFF"/>
                       </a:solidFill>
                     </a:lnL>
                     <a:lnR w="720">
                       <a:solidFill>
-                        <a:srgbClr val="ffffff"/>
+                        <a:srgbClr val="FFFFFF"/>
                       </a:solidFill>
                     </a:lnR>
                     <a:lnT w="720">
                       <a:solidFill>
-                        <a:srgbClr val="ffffff"/>
+                        <a:srgbClr val="FFFFFF"/>
                       </a:solidFill>
                     </a:lnT>
                     <a:lnB w="720">
                       <a:solidFill>
-                        <a:srgbClr val="ffffff"/>
+                        <a:srgbClr val="FFFFFF"/>
                       </a:solidFill>
                     </a:lnB>
                     <a:solidFill>
-                      <a:srgbClr val="e6e6e6"/>
+                      <a:srgbClr val="E6E6E6"/>
                     </a:solidFill>
                   </a:tcPr>
                 </a:tc>
                 <a:tc>
+                  <a:txBody>
+                    <a:bodyPr/>
+                    <a:lstStyle/>
+                    <a:p>
+                      <a:endParaRPr lang="en-US" dirty="0"/>
+                    </a:p>
+                  </a:txBody>
                   <a:tcPr marL="90000" marR="90000">
                     <a:lnL w="720">
                       <a:solidFill>
-                        <a:srgbClr val="ffffff"/>
+                        <a:srgbClr val="FFFFFF"/>
                       </a:solidFill>
                     </a:lnL>
                     <a:lnR w="720">
                       <a:solidFill>
-                        <a:srgbClr val="ffffff"/>
+                        <a:srgbClr val="FFFFFF"/>
                       </a:solidFill>
                     </a:lnR>
                     <a:lnT w="720">
                       <a:solidFill>
-                        <a:srgbClr val="ffffff"/>
+                        <a:srgbClr val="FFFFFF"/>
                       </a:solidFill>
                     </a:lnT>
                     <a:lnB w="720">
                       <a:solidFill>
-                        <a:srgbClr val="ffffff"/>
+                        <a:srgbClr val="FFFFFF"/>
                       </a:solidFill>
                     </a:lnB>
                     <a:solidFill>
-                      <a:srgbClr val="e6e6e6"/>
+                      <a:srgbClr val="E6E6E6"/>
                     </a:solidFill>
                   </a:tcPr>
                 </a:tc>
                 <a:tc>
+                  <a:txBody>
+                    <a:bodyPr/>
+                    <a:lstStyle/>
+                    <a:p>
+                      <a:endParaRPr lang="en-US" dirty="0"/>
+                    </a:p>
+                  </a:txBody>
                   <a:tcPr marL="90000" marR="90000">
                     <a:lnL w="720">
                       <a:solidFill>
-                        <a:srgbClr val="ffffff"/>
+                        <a:srgbClr val="FFFFFF"/>
                       </a:solidFill>
                     </a:lnL>
                     <a:lnR w="720">
                       <a:solidFill>
-                        <a:srgbClr val="ffffff"/>
+                        <a:srgbClr val="FFFFFF"/>
                       </a:solidFill>
                     </a:lnR>
                     <a:lnT w="720">
                       <a:solidFill>
-                        <a:srgbClr val="ffffff"/>
+                        <a:srgbClr val="FFFFFF"/>
                       </a:solidFill>
                     </a:lnT>
                     <a:lnB w="720">
                       <a:solidFill>
-                        <a:srgbClr val="ffffff"/>
+                        <a:srgbClr val="FFFFFF"/>
                       </a:solidFill>
                     </a:lnB>
                     <a:solidFill>
-                      <a:srgbClr val="e6e6e6"/>
+                      <a:srgbClr val="E6E6E6"/>
                     </a:solidFill>
                   </a:tcPr>
                 </a:tc>
                 <a:tc>
+                  <a:txBody>
+                    <a:bodyPr/>
+                    <a:lstStyle/>
+                    <a:p>
+                      <a:endParaRPr lang="en-US" dirty="0"/>
+                    </a:p>
+                  </a:txBody>
                   <a:tcPr marL="90000" marR="90000">
                     <a:lnL w="720">
                       <a:solidFill>
-                        <a:srgbClr val="ffffff"/>
+                        <a:srgbClr val="FFFFFF"/>
                       </a:solidFill>
                     </a:lnL>
                     <a:lnR w="720">
                       <a:solidFill>
-                        <a:srgbClr val="ffffff"/>
+                        <a:srgbClr val="FFFFFF"/>
                       </a:solidFill>
                     </a:lnR>
                     <a:lnT w="720">
                       <a:solidFill>
-                        <a:srgbClr val="ffffff"/>
+                        <a:srgbClr val="FFFFFF"/>
                       </a:solidFill>
                     </a:lnT>
                     <a:lnB w="720">
                       <a:solidFill>
-                        <a:srgbClr val="ffffff"/>
+                        <a:srgbClr val="FFFFFF"/>
                       </a:solidFill>
                     </a:lnB>
                     <a:solidFill>
-                      <a:srgbClr val="e6e6e6"/>
+                      <a:srgbClr val="E6E6E6"/>
                     </a:solidFill>
                   </a:tcPr>
                 </a:tc>
                 <a:tc>
+                  <a:txBody>
+                    <a:bodyPr/>
+                    <a:lstStyle/>
+                    <a:p>
+                      <a:endParaRPr lang="en-US" dirty="0"/>
+                    </a:p>
+                  </a:txBody>
                   <a:tcPr marL="90000" marR="90000">
                     <a:lnL w="720">
                       <a:solidFill>
-                        <a:srgbClr val="ffffff"/>
+                        <a:srgbClr val="FFFFFF"/>
                       </a:solidFill>
                     </a:lnL>
                     <a:lnR w="720">
                       <a:solidFill>
-                        <a:srgbClr val="ffffff"/>
+                        <a:srgbClr val="FFFFFF"/>
                       </a:solidFill>
                     </a:lnR>
                     <a:lnT w="720">
                       <a:solidFill>
-                        <a:srgbClr val="ffffff"/>
+                        <a:srgbClr val="FFFFFF"/>
                       </a:solidFill>
                     </a:lnT>
                     <a:lnB w="720">
                       <a:solidFill>
-                        <a:srgbClr val="ffffff"/>
+                        <a:srgbClr val="FFFFFF"/>
                       </a:solidFill>
                     </a:lnB>
                     <a:solidFill>
-                      <a:srgbClr val="e6e6e6"/>
+                      <a:srgbClr val="E6E6E6"/>
                     </a:solidFill>
                   </a:tcPr>
                 </a:tc>
+                <a:extLst>
+                  <a:ext uri="{0D108BD9-81ED-4DB2-BD59-A6C34878D82A}">
+                    <a16:rowId xmlns:a16="http://schemas.microsoft.com/office/drawing/2014/main" val="10002"/>
+                  </a:ext>
+                </a:extLst>
               </a:tr>
             </a:tbl>
           </a:graphicData>
@@ -2800,14 +3405,20 @@
           <a:noFill/>
           <a:ln>
             <a:solidFill>
-              <a:srgbClr val="3465a4"/>
+              <a:srgbClr val="3465A4"/>
             </a:solidFill>
           </a:ln>
         </p:spPr>
         <p:style>
-          <a:lnRef idx="0"/>
-          <a:fillRef idx="0"/>
-          <a:effectRef idx="0"/>
+          <a:lnRef idx="0">
+            <a:scrgbClr r="0" g="0" b="0"/>
+          </a:lnRef>
+          <a:fillRef idx="0">
+            <a:scrgbClr r="0" g="0" b="0"/>
+          </a:fillRef>
+          <a:effectRef idx="0">
+            <a:scrgbClr r="0" g="0" b="0"/>
+          </a:effectRef>
           <a:fontRef idx="minor"/>
         </p:style>
       </p:sp>
@@ -2831,15 +3442,16 @@
           </a:ln>
         </p:spPr>
         <p:txBody>
-          <a:bodyPr lIns="90000" rIns="90000" tIns="45000" bIns="45000"/>
+          <a:bodyPr lIns="90000" tIns="45000" rIns="90000" bIns="45000"/>
+          <a:lstStyle/>
           <a:p>
             <a:r>
-              <a:rPr b="1" lang="en-GB" sz="1200" spc="-1" strike="noStrike">
+              <a:rPr lang="en-GB" sz="1200" b="1" strike="noStrike" spc="-1" dirty="0">
                 <a:latin typeface="Adobe Garamond Pro"/>
               </a:rPr>
               <a:t>OCT </a:t>
             </a:r>
-            <a:endParaRPr b="0" lang="en-GB" sz="1200" spc="-1" strike="noStrike">
+            <a:endParaRPr lang="en-GB" sz="1200" b="0" strike="noStrike" spc="-1" dirty="0">
               <a:latin typeface="Adobe Garamond Pro"/>
             </a:endParaRPr>
           </a:p>
@@ -2865,33 +3477,28 @@
           </a:ln>
         </p:spPr>
         <p:txBody>
-          <a:bodyPr lIns="90000" rIns="90000" tIns="45000" bIns="45000"/>
+          <a:bodyPr lIns="90000" tIns="45000" rIns="90000" bIns="45000"/>
+          <a:lstStyle/>
           <a:p>
             <a:r>
-              <a:rPr b="0" lang="en-GB" sz="1200" spc="-1" strike="noStrike">
+              <a:rPr lang="en-GB" sz="1200" b="0" strike="noStrike" spc="-1" dirty="0">
                 <a:latin typeface="Adobe Garamond Pro"/>
               </a:rPr>
               <a:t>Challenge: to identify diseases like humans by examining normal images to find anomalies</a:t>
             </a:r>
-            <a:endParaRPr b="0" lang="en-GB" sz="1200" spc="-1" strike="noStrike">
+          </a:p>
+          <a:p>
+            <a:endParaRPr lang="en-GB" sz="1200" b="0" strike="noStrike" spc="-1" dirty="0">
               <a:latin typeface="Adobe Garamond Pro"/>
             </a:endParaRPr>
           </a:p>
           <a:p>
-            <a:endParaRPr b="0" lang="en-GB" sz="1200" spc="-1" strike="noStrike">
-              <a:latin typeface="Adobe Garamond Pro"/>
-            </a:endParaRPr>
-          </a:p>
-          <a:p>
             <a:r>
-              <a:rPr b="0" lang="en-GB" sz="1200" spc="-1" strike="noStrike">
+              <a:rPr lang="en-GB" sz="1200" b="0" strike="noStrike" spc="-1" dirty="0">
                 <a:latin typeface="Adobe Garamond Pro"/>
               </a:rPr>
               <a:t>Solution: Deep generative machine learning models VAE and GAN</a:t>
             </a:r>
-            <a:endParaRPr b="0" lang="en-GB" sz="1200" spc="-1" strike="noStrike">
-              <a:latin typeface="Adobe Garamond Pro"/>
-            </a:endParaRPr>
           </a:p>
         </p:txBody>
       </p:sp>
@@ -2915,15 +3522,16 @@
           </a:ln>
         </p:spPr>
         <p:txBody>
-          <a:bodyPr lIns="90000" rIns="90000" tIns="45000" bIns="45000"/>
+          <a:bodyPr lIns="90000" tIns="45000" rIns="90000" bIns="45000"/>
+          <a:lstStyle/>
           <a:p>
             <a:r>
-              <a:rPr b="1" lang="en-GB" sz="1200" spc="-1" strike="noStrike">
+              <a:rPr lang="en-GB" sz="1200" b="1" strike="noStrike" spc="-1" dirty="0">
                 <a:latin typeface="Adobe Garamond Pro"/>
               </a:rPr>
               <a:t>Anomaly Detection</a:t>
             </a:r>
-            <a:endParaRPr b="0" lang="en-GB" sz="1200" spc="-1" strike="noStrike">
+            <a:endParaRPr lang="en-GB" sz="1200" b="0" strike="noStrike" spc="-1" dirty="0">
               <a:latin typeface="Adobe Garamond Pro"/>
             </a:endParaRPr>
           </a:p>
@@ -2946,14 +3554,20 @@
           <a:noFill/>
           <a:ln>
             <a:solidFill>
-              <a:srgbClr val="3465a4"/>
+              <a:srgbClr val="3465A4"/>
             </a:solidFill>
           </a:ln>
         </p:spPr>
         <p:style>
-          <a:lnRef idx="0"/>
-          <a:fillRef idx="0"/>
-          <a:effectRef idx="0"/>
+          <a:lnRef idx="0">
+            <a:scrgbClr r="0" g="0" b="0"/>
+          </a:lnRef>
+          <a:fillRef idx="0">
+            <a:scrgbClr r="0" g="0" b="0"/>
+          </a:fillRef>
+          <a:effectRef idx="0">
+            <a:scrgbClr r="0" g="0" b="0"/>
+          </a:effectRef>
           <a:fontRef idx="minor"/>
         </p:style>
       </p:sp>
@@ -2977,24 +3591,22 @@
           </a:ln>
         </p:spPr>
         <p:txBody>
-          <a:bodyPr lIns="90000" rIns="90000" tIns="45000" bIns="45000"/>
+          <a:bodyPr lIns="90000" tIns="45000" rIns="90000" bIns="45000"/>
+          <a:lstStyle/>
           <a:p>
             <a:r>
-              <a:rPr b="0" lang="en-GB" sz="1200" spc="-1" strike="noStrike">
+              <a:rPr lang="en-GB" sz="1200" b="0" strike="noStrike" spc="-1" dirty="0">
                 <a:latin typeface="Adobe Garamond Pro"/>
                 <a:ea typeface="Noto Sans CJK SC Regular"/>
               </a:rPr>
               <a:t>From OCT images identify those with diseases. Instead of transfer learning we are interested in identifying anomalies.  Describe previous work done and data</a:t>
             </a:r>
             <a:r>
-              <a:rPr b="0" lang="en-GB" sz="1200" spc="-1" strike="noStrike">
+              <a:rPr lang="en-GB" sz="1200" b="0" strike="noStrike" spc="-1" dirty="0">
                 <a:latin typeface="Adobe Garamond Pro"/>
               </a:rPr>
               <a:t> source</a:t>
             </a:r>
-            <a:endParaRPr b="0" lang="en-GB" sz="1200" spc="-1" strike="noStrike">
-              <a:latin typeface="Adobe Garamond Pro"/>
-            </a:endParaRPr>
           </a:p>
         </p:txBody>
       </p:sp>
@@ -3018,15 +3630,16 @@
           </a:ln>
         </p:spPr>
         <p:txBody>
-          <a:bodyPr lIns="90000" rIns="90000" tIns="45000" bIns="45000"/>
+          <a:bodyPr lIns="90000" tIns="45000" rIns="90000" bIns="45000"/>
+          <a:lstStyle/>
           <a:p>
             <a:r>
-              <a:rPr b="1" lang="en-GB" sz="1200" spc="-1" strike="noStrike">
+              <a:rPr lang="en-GB" sz="1200" b="1" strike="noStrike" spc="-1" dirty="0">
                 <a:latin typeface="Adobe Garamond Pro"/>
               </a:rPr>
               <a:t>References </a:t>
             </a:r>
-            <a:endParaRPr b="0" lang="en-GB" sz="1200" spc="-1" strike="noStrike">
+            <a:endParaRPr lang="en-GB" sz="1200" b="0" strike="noStrike" spc="-1" dirty="0">
               <a:latin typeface="Adobe Garamond Pro"/>
             </a:endParaRPr>
           </a:p>
@@ -3034,12 +3647,12 @@
       </p:sp>
       <p:pic>
         <p:nvPicPr>
-          <p:cNvPr id="73" name="" descr=""/>
+          <p:cNvPr id="73" name="Picture 72"/>
           <p:cNvPicPr/>
           <p:nvPr/>
         </p:nvPicPr>
         <p:blipFill>
-          <a:blip r:embed="rId14"/>
+          <a:blip r:embed="rId13"/>
           <a:stretch/>
         </p:blipFill>
         <p:spPr>
@@ -3075,16 +3688,17 @@
           </a:ln>
         </p:spPr>
         <p:txBody>
-          <a:bodyPr lIns="90000" rIns="90000" tIns="45000" bIns="45000"/>
+          <a:bodyPr lIns="90000" tIns="45000" rIns="90000" bIns="45000"/>
+          <a:lstStyle/>
           <a:p>
             <a:r>
-              <a:rPr b="0" lang="en-GB" sz="1200" spc="-1" strike="noStrike">
+              <a:rPr lang="en-GB" sz="1200" b="0" strike="noStrike" spc="-1" dirty="0">
                 <a:latin typeface="Adobe Garamond Pro"/>
                 <a:ea typeface="Noto Sans CJK SC Regular"/>
               </a:rPr>
               <a:t>A complicated equation here to show anomaly identification</a:t>
             </a:r>
-            <a:endParaRPr b="0" lang="en-GB" sz="1200" spc="-1" strike="noStrike">
+            <a:endParaRPr lang="en-GB" sz="1200" b="0" strike="noStrike" spc="-1" dirty="0">
               <a:latin typeface="Adobe Garamond Pro"/>
             </a:endParaRPr>
           </a:p>
@@ -3110,16 +3724,17 @@
           </a:ln>
         </p:spPr>
         <p:txBody>
-          <a:bodyPr lIns="90000" rIns="90000" tIns="45000" bIns="45000"/>
+          <a:bodyPr lIns="90000" tIns="45000" rIns="90000" bIns="45000"/>
+          <a:lstStyle/>
           <a:p>
             <a:r>
-              <a:rPr b="0" lang="en-GB" sz="1200" spc="-1" strike="noStrike">
+              <a:rPr lang="en-GB" sz="1200" b="0" strike="noStrike" spc="-1" dirty="0">
                 <a:latin typeface="Adobe Garamond Pro"/>
                 <a:ea typeface="Noto Sans CJK SC Regular"/>
               </a:rPr>
               <a:t>A complicated equation here to show VAE sampling</a:t>
             </a:r>
-            <a:endParaRPr b="0" lang="en-GB" sz="1200" spc="-1" strike="noStrike">
+            <a:endParaRPr lang="en-GB" sz="1200" b="0" strike="noStrike" spc="-1" dirty="0">
               <a:latin typeface="Adobe Garamond Pro"/>
             </a:endParaRPr>
           </a:p>
@@ -3127,6 +3742,495 @@
       </p:sp>
     </p:spTree>
   </p:cSld>
+  <p:clrMapOvr>
+    <a:masterClrMapping/>
+  </p:clrMapOvr>
+</p:sld>
+</file>
+
+<file path=ppt/slides/slide2.xml><?xml version="1.0" encoding="utf-8"?>
+<p:sld xmlns:a="http://schemas.openxmlformats.org/drawingml/2006/main" xmlns:r="http://schemas.openxmlformats.org/officeDocument/2006/relationships" xmlns:p="http://schemas.openxmlformats.org/presentationml/2006/main">
+  <p:cSld>
+    <p:spTree>
+      <p:nvGrpSpPr>
+        <p:cNvPr id="1" name=""/>
+        <p:cNvGrpSpPr/>
+        <p:nvPr/>
+      </p:nvGrpSpPr>
+      <p:grpSpPr>
+        <a:xfrm>
+          <a:off x="0" y="0"/>
+          <a:ext cx="0" cy="0"/>
+          <a:chOff x="0" y="0"/>
+          <a:chExt cx="0" cy="0"/>
+        </a:xfrm>
+      </p:grpSpPr>
+      <p:grpSp>
+        <p:nvGrpSpPr>
+          <p:cNvPr id="3" name="Group 2">
+            <a:extLst>
+              <a:ext uri="{FF2B5EF4-FFF2-40B4-BE49-F238E27FC236}">
+                <a16:creationId xmlns:a16="http://schemas.microsoft.com/office/drawing/2014/main" id="{F565E5EC-D41D-5444-9C41-209A254013BB}"/>
+              </a:ext>
+            </a:extLst>
+          </p:cNvPr>
+          <p:cNvGrpSpPr/>
+          <p:nvPr/>
+        </p:nvGrpSpPr>
+        <p:grpSpPr>
+          <a:xfrm>
+            <a:off x="2205699" y="2048451"/>
+            <a:ext cx="5602732" cy="2438186"/>
+            <a:chOff x="2205699" y="2048451"/>
+            <a:chExt cx="5602732" cy="2438186"/>
+          </a:xfrm>
+        </p:grpSpPr>
+        <p:sp>
+          <p:nvSpPr>
+            <p:cNvPr id="6" name="Right Arrow 5">
+              <a:extLst>
+                <a:ext uri="{FF2B5EF4-FFF2-40B4-BE49-F238E27FC236}">
+                  <a16:creationId xmlns:a16="http://schemas.microsoft.com/office/drawing/2014/main" id="{81F30270-6BE9-F144-A443-285288053021}"/>
+                </a:ext>
+              </a:extLst>
+            </p:cNvPr>
+            <p:cNvSpPr/>
+            <p:nvPr/>
+          </p:nvSpPr>
+          <p:spPr>
+            <a:xfrm>
+              <a:off x="3223648" y="2664200"/>
+              <a:ext cx="1067134" cy="662561"/>
+            </a:xfrm>
+            <a:prstGeom prst="rightArrow">
+              <a:avLst/>
+            </a:prstGeom>
+            <a:solidFill>
+              <a:schemeClr val="tx2">
+                <a:lumMod val="60000"/>
+                <a:lumOff val="40000"/>
+              </a:schemeClr>
+            </a:solidFill>
+            <a:ln>
+              <a:noFill/>
+            </a:ln>
+          </p:spPr>
+          <p:style>
+            <a:lnRef idx="2">
+              <a:schemeClr val="accent1">
+                <a:shade val="50000"/>
+              </a:schemeClr>
+            </a:lnRef>
+            <a:fillRef idx="1">
+              <a:schemeClr val="accent1"/>
+            </a:fillRef>
+            <a:effectRef idx="0">
+              <a:schemeClr val="accent1"/>
+            </a:effectRef>
+            <a:fontRef idx="minor">
+              <a:schemeClr val="lt1"/>
+            </a:fontRef>
+          </p:style>
+          <p:txBody>
+            <a:bodyPr rtlCol="0" anchor="ctr"/>
+            <a:lstStyle/>
+            <a:p>
+              <a:pPr algn="ctr"/>
+              <a:r>
+                <a:rPr lang="en-US" sz="1000" dirty="0">
+                  <a:latin typeface="Myriad Pro" panose="020B0503030403020204" pitchFamily="34" charset="0"/>
+                </a:rPr>
+                <a:t>Encoder</a:t>
+              </a:r>
+            </a:p>
+          </p:txBody>
+        </p:sp>
+        <p:pic>
+          <p:nvPicPr>
+            <p:cNvPr id="8" name="Picture 7">
+              <a:extLst>
+                <a:ext uri="{FF2B5EF4-FFF2-40B4-BE49-F238E27FC236}">
+                  <a16:creationId xmlns:a16="http://schemas.microsoft.com/office/drawing/2014/main" id="{F658CAC2-6918-134B-B19B-BA5FC6763864}"/>
+                </a:ext>
+              </a:extLst>
+            </p:cNvPr>
+            <p:cNvPicPr>
+              <a:picLocks noChangeAspect="1"/>
+            </p:cNvPicPr>
+            <p:nvPr/>
+          </p:nvPicPr>
+          <p:blipFill>
+            <a:blip r:embed="rId2">
+              <a:extLst>
+                <a:ext uri="{28A0092B-C50C-407E-A947-70E740481C1C}">
+                  <a14:useLocalDpi xmlns:a14="http://schemas.microsoft.com/office/drawing/2010/main" val="0"/>
+                </a:ext>
+              </a:extLst>
+            </a:blip>
+            <a:stretch>
+              <a:fillRect/>
+            </a:stretch>
+          </p:blipFill>
+          <p:spPr>
+            <a:xfrm>
+              <a:off x="2205699" y="2543212"/>
+              <a:ext cx="912910" cy="912910"/>
+            </a:xfrm>
+            <a:prstGeom prst="rect">
+              <a:avLst/>
+            </a:prstGeom>
+          </p:spPr>
+        </p:pic>
+        <p:sp>
+          <p:nvSpPr>
+            <p:cNvPr id="9" name="Double Bracket 8">
+              <a:extLst>
+                <a:ext uri="{FF2B5EF4-FFF2-40B4-BE49-F238E27FC236}">
+                  <a16:creationId xmlns:a16="http://schemas.microsoft.com/office/drawing/2014/main" id="{3728E818-6F0B-DC45-8D81-5FF6AC732826}"/>
+                </a:ext>
+              </a:extLst>
+            </p:cNvPr>
+            <p:cNvSpPr/>
+            <p:nvPr/>
+          </p:nvSpPr>
+          <p:spPr>
+            <a:xfrm>
+              <a:off x="4393651" y="2048451"/>
+              <a:ext cx="1228998" cy="2035347"/>
+            </a:xfrm>
+            <a:prstGeom prst="bracketPair">
+              <a:avLst/>
+            </a:prstGeom>
+          </p:spPr>
+          <p:style>
+            <a:lnRef idx="1">
+              <a:schemeClr val="accent1"/>
+            </a:lnRef>
+            <a:fillRef idx="0">
+              <a:schemeClr val="accent1"/>
+            </a:fillRef>
+            <a:effectRef idx="0">
+              <a:schemeClr val="accent1"/>
+            </a:effectRef>
+            <a:fontRef idx="minor">
+              <a:schemeClr val="tx1"/>
+            </a:fontRef>
+          </p:style>
+          <p:txBody>
+            <a:bodyPr rtlCol="0" anchor="ctr"/>
+            <a:lstStyle/>
+            <a:p>
+              <a:pPr algn="ctr"/>
+              <a:endParaRPr lang="en-US" dirty="0"/>
+            </a:p>
+          </p:txBody>
+        </p:sp>
+        <p:sp>
+          <p:nvSpPr>
+            <p:cNvPr id="13" name="TextBox 12">
+              <a:extLst>
+                <a:ext uri="{FF2B5EF4-FFF2-40B4-BE49-F238E27FC236}">
+                  <a16:creationId xmlns:a16="http://schemas.microsoft.com/office/drawing/2014/main" id="{BCE57E30-60AB-B04A-B46D-305C198D18A2}"/>
+                </a:ext>
+              </a:extLst>
+            </p:cNvPr>
+            <p:cNvSpPr txBox="1"/>
+            <p:nvPr/>
+          </p:nvSpPr>
+          <p:spPr>
+            <a:xfrm>
+              <a:off x="4466095" y="2119103"/>
+              <a:ext cx="1088449" cy="1894045"/>
+            </a:xfrm>
+            <a:prstGeom prst="rect">
+              <a:avLst/>
+            </a:prstGeom>
+            <a:noFill/>
+          </p:spPr>
+          <p:txBody>
+            <a:bodyPr wrap="square" rtlCol="0">
+              <a:spAutoFit/>
+            </a:bodyPr>
+            <a:lstStyle/>
+            <a:p>
+              <a:pPr>
+                <a:lnSpc>
+                  <a:spcPct val="200000"/>
+                </a:lnSpc>
+              </a:pPr>
+              <a:r>
+                <a:rPr lang="en-US" sz="1000" dirty="0">
+                  <a:latin typeface="Myriad Pro" panose="020B0503030403020204" pitchFamily="34" charset="0"/>
+                </a:rPr>
+                <a:t>Smile: 0.52</a:t>
+              </a:r>
+            </a:p>
+            <a:p>
+              <a:pPr>
+                <a:lnSpc>
+                  <a:spcPct val="200000"/>
+                </a:lnSpc>
+              </a:pPr>
+              <a:r>
+                <a:rPr lang="en-US" sz="1000" dirty="0">
+                  <a:latin typeface="Myriad Pro" panose="020B0503030403020204" pitchFamily="34" charset="0"/>
+                </a:rPr>
+                <a:t>Skin tone: 0.4</a:t>
+              </a:r>
+            </a:p>
+            <a:p>
+              <a:pPr>
+                <a:lnSpc>
+                  <a:spcPct val="200000"/>
+                </a:lnSpc>
+              </a:pPr>
+              <a:r>
+                <a:rPr lang="en-US" sz="1000" dirty="0">
+                  <a:latin typeface="Myriad Pro" panose="020B0503030403020204" pitchFamily="34" charset="0"/>
+                </a:rPr>
+                <a:t>Gender: -0.82</a:t>
+              </a:r>
+            </a:p>
+            <a:p>
+              <a:pPr>
+                <a:lnSpc>
+                  <a:spcPct val="200000"/>
+                </a:lnSpc>
+              </a:pPr>
+              <a:r>
+                <a:rPr lang="en-US" sz="1000" dirty="0">
+                  <a:latin typeface="Myriad Pro" panose="020B0503030403020204" pitchFamily="34" charset="0"/>
+                </a:rPr>
+                <a:t>Beard: 0.002</a:t>
+              </a:r>
+            </a:p>
+            <a:p>
+              <a:pPr>
+                <a:lnSpc>
+                  <a:spcPct val="200000"/>
+                </a:lnSpc>
+              </a:pPr>
+              <a:r>
+                <a:rPr lang="en-US" sz="1000" dirty="0">
+                  <a:latin typeface="Myriad Pro" panose="020B0503030403020204" pitchFamily="34" charset="0"/>
+                </a:rPr>
+                <a:t>Glasses: 0.85</a:t>
+              </a:r>
+            </a:p>
+            <a:p>
+              <a:pPr>
+                <a:lnSpc>
+                  <a:spcPct val="200000"/>
+                </a:lnSpc>
+              </a:pPr>
+              <a:r>
+                <a:rPr lang="en-US" sz="1000" dirty="0">
+                  <a:latin typeface="Myriad Pro" panose="020B0503030403020204" pitchFamily="34" charset="0"/>
+                </a:rPr>
+                <a:t>Hair colour: 0.35</a:t>
+              </a:r>
+            </a:p>
+          </p:txBody>
+        </p:sp>
+        <p:pic>
+          <p:nvPicPr>
+            <p:cNvPr id="16" name="Picture 15">
+              <a:extLst>
+                <a:ext uri="{FF2B5EF4-FFF2-40B4-BE49-F238E27FC236}">
+                  <a16:creationId xmlns:a16="http://schemas.microsoft.com/office/drawing/2014/main" id="{9D457482-3874-6B45-B288-D205EFCD1A25}"/>
+                </a:ext>
+              </a:extLst>
+            </p:cNvPr>
+            <p:cNvPicPr>
+              <a:picLocks noChangeAspect="1"/>
+            </p:cNvPicPr>
+            <p:nvPr/>
+          </p:nvPicPr>
+          <p:blipFill>
+            <a:blip r:embed="rId2">
+              <a:extLst>
+                <a:ext uri="{28A0092B-C50C-407E-A947-70E740481C1C}">
+                  <a14:useLocalDpi xmlns:a14="http://schemas.microsoft.com/office/drawing/2010/main" val="0"/>
+                </a:ext>
+              </a:extLst>
+            </a:blip>
+            <a:stretch>
+              <a:fillRect/>
+            </a:stretch>
+          </p:blipFill>
+          <p:spPr>
+            <a:xfrm>
+              <a:off x="6895521" y="2536412"/>
+              <a:ext cx="912910" cy="912910"/>
+            </a:xfrm>
+            <a:prstGeom prst="rect">
+              <a:avLst/>
+            </a:prstGeom>
+          </p:spPr>
+        </p:pic>
+        <p:sp>
+          <p:nvSpPr>
+            <p:cNvPr id="17" name="Right Arrow 16">
+              <a:extLst>
+                <a:ext uri="{FF2B5EF4-FFF2-40B4-BE49-F238E27FC236}">
+                  <a16:creationId xmlns:a16="http://schemas.microsoft.com/office/drawing/2014/main" id="{B95D8CFC-8E5D-8C4C-8D73-6A553A258D36}"/>
+                </a:ext>
+              </a:extLst>
+            </p:cNvPr>
+            <p:cNvSpPr/>
+            <p:nvPr/>
+          </p:nvSpPr>
+          <p:spPr>
+            <a:xfrm>
+              <a:off x="5725518" y="2664199"/>
+              <a:ext cx="1067134" cy="662561"/>
+            </a:xfrm>
+            <a:prstGeom prst="rightArrow">
+              <a:avLst/>
+            </a:prstGeom>
+            <a:solidFill>
+              <a:schemeClr val="tx2">
+                <a:lumMod val="60000"/>
+                <a:lumOff val="40000"/>
+              </a:schemeClr>
+            </a:solidFill>
+            <a:ln>
+              <a:noFill/>
+            </a:ln>
+          </p:spPr>
+          <p:style>
+            <a:lnRef idx="2">
+              <a:schemeClr val="accent1">
+                <a:shade val="50000"/>
+              </a:schemeClr>
+            </a:lnRef>
+            <a:fillRef idx="1">
+              <a:schemeClr val="accent1"/>
+            </a:fillRef>
+            <a:effectRef idx="0">
+              <a:schemeClr val="accent1"/>
+            </a:effectRef>
+            <a:fontRef idx="minor">
+              <a:schemeClr val="lt1"/>
+            </a:fontRef>
+          </p:style>
+          <p:txBody>
+            <a:bodyPr rtlCol="0" anchor="ctr"/>
+            <a:lstStyle/>
+            <a:p>
+              <a:pPr algn="ctr"/>
+              <a:r>
+                <a:rPr lang="en-US" sz="1000" dirty="0">
+                  <a:latin typeface="Myriad Pro" panose="020B0503030403020204" pitchFamily="34" charset="0"/>
+                </a:rPr>
+                <a:t>Decoder</a:t>
+              </a:r>
+            </a:p>
+          </p:txBody>
+        </p:sp>
+        <p:sp>
+          <p:nvSpPr>
+            <p:cNvPr id="2" name="Rectangle 1">
+              <a:extLst>
+                <a:ext uri="{FF2B5EF4-FFF2-40B4-BE49-F238E27FC236}">
+                  <a16:creationId xmlns:a16="http://schemas.microsoft.com/office/drawing/2014/main" id="{515600A3-D17D-1743-B8A1-C93BBEFE9884}"/>
+                </a:ext>
+              </a:extLst>
+            </p:cNvPr>
+            <p:cNvSpPr/>
+            <p:nvPr/>
+          </p:nvSpPr>
+          <p:spPr>
+            <a:xfrm>
+              <a:off x="4273814" y="4178860"/>
+              <a:ext cx="1468672" cy="307777"/>
+            </a:xfrm>
+            <a:prstGeom prst="rect">
+              <a:avLst/>
+            </a:prstGeom>
+          </p:spPr>
+          <p:txBody>
+            <a:bodyPr wrap="none">
+              <a:spAutoFit/>
+            </a:bodyPr>
+            <a:lstStyle/>
+            <a:p>
+              <a:r>
+                <a:rPr lang="en-US" sz="1400" dirty="0">
+                  <a:latin typeface="Myriad Pro" panose="020B0503030403020204" pitchFamily="34" charset="0"/>
+                </a:rPr>
+                <a:t>Latent attributes </a:t>
+              </a:r>
+              <a:endParaRPr lang="en-US" sz="1400" dirty="0"/>
+            </a:p>
+          </p:txBody>
+        </p:sp>
+      </p:grpSp>
+    </p:spTree>
+    <p:extLst>
+      <p:ext uri="{BB962C8B-B14F-4D97-AF65-F5344CB8AC3E}">
+        <p14:creationId xmlns:p14="http://schemas.microsoft.com/office/powerpoint/2010/main" val="4004883032"/>
+      </p:ext>
+    </p:extLst>
+  </p:cSld>
+  <p:clrMapOvr>
+    <a:masterClrMapping/>
+  </p:clrMapOvr>
+</p:sld>
+</file>
+
+<file path=ppt/slides/slide3.xml><?xml version="1.0" encoding="utf-8"?>
+<p:sld xmlns:a="http://schemas.openxmlformats.org/drawingml/2006/main" xmlns:r="http://schemas.openxmlformats.org/officeDocument/2006/relationships" xmlns:p="http://schemas.openxmlformats.org/presentationml/2006/main">
+  <p:cSld>
+    <p:spTree>
+      <p:nvGrpSpPr>
+        <p:cNvPr id="1" name=""/>
+        <p:cNvGrpSpPr/>
+        <p:nvPr/>
+      </p:nvGrpSpPr>
+      <p:grpSpPr>
+        <a:xfrm>
+          <a:off x="0" y="0"/>
+          <a:ext cx="0" cy="0"/>
+          <a:chOff x="0" y="0"/>
+          <a:chExt cx="0" cy="0"/>
+        </a:xfrm>
+      </p:grpSpPr>
+      <p:sp>
+        <p:nvSpPr>
+          <p:cNvPr id="2" name="Title 1">
+            <a:extLst>
+              <a:ext uri="{FF2B5EF4-FFF2-40B4-BE49-F238E27FC236}">
+                <a16:creationId xmlns:a16="http://schemas.microsoft.com/office/drawing/2014/main" id="{AE901D81-5531-B443-8928-1336B5CDC9E5}"/>
+              </a:ext>
+            </a:extLst>
+          </p:cNvPr>
+          <p:cNvSpPr>
+            <a:spLocks noGrp="1"/>
+          </p:cNvSpPr>
+          <p:nvPr>
+            <p:ph type="title"/>
+          </p:nvPr>
+        </p:nvSpPr>
+        <p:spPr/>
+        <p:txBody>
+          <a:bodyPr/>
+          <a:lstStyle/>
+          <a:p>
+            <a:endParaRPr lang="en-US"/>
+          </a:p>
+        </p:txBody>
+      </p:sp>
+    </p:spTree>
+    <p:extLst>
+      <p:ext uri="{BB962C8B-B14F-4D97-AF65-F5344CB8AC3E}">
+        <p14:creationId xmlns:p14="http://schemas.microsoft.com/office/powerpoint/2010/main" val="3861084485"/>
+      </p:ext>
+    </p:extLst>
+  </p:cSld>
+  <p:clrMapOvr>
+    <a:masterClrMapping/>
+  </p:clrMapOvr>
 </p:sld>
 </file>
 
@@ -3141,31 +4245,31 @@
         <a:sysClr val="window" lastClr="FFFFFF"/>
       </a:lt1>
       <a:dk2>
-        <a:srgbClr val="1f497d"/>
+        <a:srgbClr val="1F497D"/>
       </a:dk2>
       <a:lt2>
-        <a:srgbClr val="eeece1"/>
+        <a:srgbClr val="EEECE1"/>
       </a:lt2>
       <a:accent1>
-        <a:srgbClr val="4f81bd"/>
+        <a:srgbClr val="4F81BD"/>
       </a:accent1>
       <a:accent2>
-        <a:srgbClr val="c0504d"/>
+        <a:srgbClr val="C0504D"/>
       </a:accent2>
       <a:accent3>
-        <a:srgbClr val="9bbb59"/>
+        <a:srgbClr val="9BBB59"/>
       </a:accent3>
       <a:accent4>
-        <a:srgbClr val="8064a2"/>
+        <a:srgbClr val="8064A2"/>
       </a:accent4>
       <a:accent5>
-        <a:srgbClr val="4bacc6"/>
+        <a:srgbClr val="4BACC6"/>
       </a:accent5>
       <a:accent6>
-        <a:srgbClr val="f79646"/>
+        <a:srgbClr val="F79646"/>
       </a:accent6>
       <a:hlink>
-        <a:srgbClr val="0000ff"/>
+        <a:srgbClr val="0000FF"/>
       </a:hlink>
       <a:folHlink>
         <a:srgbClr val="800080"/>
@@ -3350,5 +4454,7 @@
       </a:bgFillStyleLst>
     </a:fmtScheme>
   </a:themeElements>
+  <a:objectDefaults/>
+  <a:extraClrSchemeLst/>
 </a:theme>
 </file>